--- a/Slides.pptx
+++ b/Slides.pptx
@@ -1,39 +1,28 @@
 
 <file path=ppt/presentation.xml><?xml version="1.0" encoding="utf-8"?>
-<p:presentation xmlns:a="http://schemas.openxmlformats.org/drawingml/2006/main" xmlns:r="http://schemas.openxmlformats.org/officeDocument/2006/relationships" xmlns:mc="http://schemas.openxmlformats.org/markup-compatibility/2006" xmlns:mv="urn:schemas-microsoft-com:mac:vml" xmlns:p="http://schemas.openxmlformats.org/presentationml/2006/main" xmlns:c="http://schemas.openxmlformats.org/drawingml/2006/chart" xmlns:dgm="http://schemas.openxmlformats.org/drawingml/2006/diagram" xmlns:o="urn:schemas-microsoft-com:office:office" xmlns:v="urn:schemas-microsoft-com:vml" xmlns:pvml="urn:schemas-microsoft-com:office:powerpoint" xmlns:com="http://schemas.openxmlformats.org/drawingml/2006/compatibility" xmlns:p14="http://schemas.microsoft.com/office/powerpoint/2010/main" autoCompressPictures="0" embedTrueTypeFonts="1" strictFirstAndLastChars="0" saveSubsetFonts="1">
+<p:presentation xmlns:a="http://schemas.openxmlformats.org/drawingml/2006/main" xmlns:r="http://schemas.openxmlformats.org/officeDocument/2006/relationships" xmlns:p="http://schemas.openxmlformats.org/presentationml/2006/main" strictFirstAndLastChars="0" embedTrueTypeFonts="1" saveSubsetFonts="1" autoCompressPictures="0">
   <p:sldMasterIdLst>
-    <p:sldMasterId id="2147483659" r:id="rId3"/>
+    <p:sldMasterId id="2147483659" r:id="rId1"/>
   </p:sldMasterIdLst>
   <p:notesMasterIdLst>
-    <p:notesMasterId r:id="rId4"/>
+    <p:notesMasterId r:id="rId12"/>
   </p:notesMasterIdLst>
   <p:sldIdLst>
-    <p:sldId id="256" r:id="rId5"/>
-    <p:sldId id="257" r:id="rId6"/>
-    <p:sldId id="258" r:id="rId7"/>
-    <p:sldId id="259" r:id="rId8"/>
-    <p:sldId id="260" r:id="rId9"/>
-    <p:sldId id="261" r:id="rId10"/>
-    <p:sldId id="262" r:id="rId11"/>
-    <p:sldId id="263" r:id="rId12"/>
-    <p:sldId id="264" r:id="rId13"/>
-    <p:sldId id="265" r:id="rId14"/>
+    <p:sldId id="256" r:id="rId2"/>
+    <p:sldId id="257" r:id="rId3"/>
+    <p:sldId id="258" r:id="rId4"/>
+    <p:sldId id="259" r:id="rId5"/>
+    <p:sldId id="260" r:id="rId6"/>
+    <p:sldId id="261" r:id="rId7"/>
+    <p:sldId id="262" r:id="rId8"/>
+    <p:sldId id="263" r:id="rId9"/>
+    <p:sldId id="264" r:id="rId10"/>
+    <p:sldId id="265" r:id="rId11"/>
   </p:sldIdLst>
-  <p:sldSz cy="6858000" cx="9144000"/>
+  <p:sldSz cx="9144000" cy="6858000" type="screen4x3"/>
   <p:notesSz cx="6858000" cy="9144000"/>
-  <p:embeddedFontLst>
-    <p:embeddedFont>
-      <p:font typeface="Average"/>
-      <p:regular r:id="rId15"/>
-    </p:embeddedFont>
-    <p:embeddedFont>
-      <p:font typeface="Oswald"/>
-      <p:regular r:id="rId16"/>
-      <p:bold r:id="rId17"/>
-    </p:embeddedFont>
-  </p:embeddedFontLst>
   <p:defaultTextStyle>
-    <a:defPPr lvl="0" marR="0" rtl="0" algn="l">
+    <a:defPPr marR="0" lvl="0" algn="l" rtl="0">
       <a:lnSpc>
         <a:spcPct val="100000"/>
       </a:lnSpc>
@@ -44,7 +33,7 @@
         <a:spcPts val="0"/>
       </a:spcAft>
     </a:defPPr>
-    <a:lvl1pPr lvl="0" marR="0" rtl="0" algn="l">
+    <a:lvl1pPr marR="0" lvl="0" algn="l" rtl="0">
       <a:lnSpc>
         <a:spcPct val="100000"/>
       </a:lnSpc>
@@ -55,7 +44,7 @@
         <a:spcPts val="0"/>
       </a:spcAft>
       <a:buNone/>
-      <a:defRPr b="0" i="0" sz="1400" u="none" cap="none" strike="noStrike">
+      <a:defRPr sz="1400" b="0" i="0" u="none" strike="noStrike" cap="none">
         <a:solidFill>
           <a:srgbClr val="000000"/>
         </a:solidFill>
@@ -65,7 +54,7 @@
         <a:sym typeface="Arial"/>
       </a:defRPr>
     </a:lvl1pPr>
-    <a:lvl2pPr lvl="1" marR="0" rtl="0" algn="l">
+    <a:lvl2pPr marR="0" lvl="1" algn="l" rtl="0">
       <a:lnSpc>
         <a:spcPct val="100000"/>
       </a:lnSpc>
@@ -76,7 +65,7 @@
         <a:spcPts val="0"/>
       </a:spcAft>
       <a:buNone/>
-      <a:defRPr b="0" i="0" sz="1400" u="none" cap="none" strike="noStrike">
+      <a:defRPr sz="1400" b="0" i="0" u="none" strike="noStrike" cap="none">
         <a:solidFill>
           <a:srgbClr val="000000"/>
         </a:solidFill>
@@ -86,7 +75,7 @@
         <a:sym typeface="Arial"/>
       </a:defRPr>
     </a:lvl2pPr>
-    <a:lvl3pPr lvl="2" marR="0" rtl="0" algn="l">
+    <a:lvl3pPr marR="0" lvl="2" algn="l" rtl="0">
       <a:lnSpc>
         <a:spcPct val="100000"/>
       </a:lnSpc>
@@ -97,7 +86,7 @@
         <a:spcPts val="0"/>
       </a:spcAft>
       <a:buNone/>
-      <a:defRPr b="0" i="0" sz="1400" u="none" cap="none" strike="noStrike">
+      <a:defRPr sz="1400" b="0" i="0" u="none" strike="noStrike" cap="none">
         <a:solidFill>
           <a:srgbClr val="000000"/>
         </a:solidFill>
@@ -107,7 +96,7 @@
         <a:sym typeface="Arial"/>
       </a:defRPr>
     </a:lvl3pPr>
-    <a:lvl4pPr lvl="3" marR="0" rtl="0" algn="l">
+    <a:lvl4pPr marR="0" lvl="3" algn="l" rtl="0">
       <a:lnSpc>
         <a:spcPct val="100000"/>
       </a:lnSpc>
@@ -118,7 +107,7 @@
         <a:spcPts val="0"/>
       </a:spcAft>
       <a:buNone/>
-      <a:defRPr b="0" i="0" sz="1400" u="none" cap="none" strike="noStrike">
+      <a:defRPr sz="1400" b="0" i="0" u="none" strike="noStrike" cap="none">
         <a:solidFill>
           <a:srgbClr val="000000"/>
         </a:solidFill>
@@ -128,7 +117,7 @@
         <a:sym typeface="Arial"/>
       </a:defRPr>
     </a:lvl4pPr>
-    <a:lvl5pPr lvl="4" marR="0" rtl="0" algn="l">
+    <a:lvl5pPr marR="0" lvl="4" algn="l" rtl="0">
       <a:lnSpc>
         <a:spcPct val="100000"/>
       </a:lnSpc>
@@ -139,7 +128,7 @@
         <a:spcPts val="0"/>
       </a:spcAft>
       <a:buNone/>
-      <a:defRPr b="0" i="0" sz="1400" u="none" cap="none" strike="noStrike">
+      <a:defRPr sz="1400" b="0" i="0" u="none" strike="noStrike" cap="none">
         <a:solidFill>
           <a:srgbClr val="000000"/>
         </a:solidFill>
@@ -149,7 +138,7 @@
         <a:sym typeface="Arial"/>
       </a:defRPr>
     </a:lvl5pPr>
-    <a:lvl6pPr lvl="5" marR="0" rtl="0" algn="l">
+    <a:lvl6pPr marR="0" lvl="5" algn="l" rtl="0">
       <a:lnSpc>
         <a:spcPct val="100000"/>
       </a:lnSpc>
@@ -160,7 +149,7 @@
         <a:spcPts val="0"/>
       </a:spcAft>
       <a:buNone/>
-      <a:defRPr b="0" i="0" sz="1400" u="none" cap="none" strike="noStrike">
+      <a:defRPr sz="1400" b="0" i="0" u="none" strike="noStrike" cap="none">
         <a:solidFill>
           <a:srgbClr val="000000"/>
         </a:solidFill>
@@ -170,7 +159,7 @@
         <a:sym typeface="Arial"/>
       </a:defRPr>
     </a:lvl6pPr>
-    <a:lvl7pPr lvl="6" marR="0" rtl="0" algn="l">
+    <a:lvl7pPr marR="0" lvl="6" algn="l" rtl="0">
       <a:lnSpc>
         <a:spcPct val="100000"/>
       </a:lnSpc>
@@ -181,7 +170,7 @@
         <a:spcPts val="0"/>
       </a:spcAft>
       <a:buNone/>
-      <a:defRPr b="0" i="0" sz="1400" u="none" cap="none" strike="noStrike">
+      <a:defRPr sz="1400" b="0" i="0" u="none" strike="noStrike" cap="none">
         <a:solidFill>
           <a:srgbClr val="000000"/>
         </a:solidFill>
@@ -191,7 +180,7 @@
         <a:sym typeface="Arial"/>
       </a:defRPr>
     </a:lvl7pPr>
-    <a:lvl8pPr lvl="7" marR="0" rtl="0" algn="l">
+    <a:lvl8pPr marR="0" lvl="7" algn="l" rtl="0">
       <a:lnSpc>
         <a:spcPct val="100000"/>
       </a:lnSpc>
@@ -202,7 +191,7 @@
         <a:spcPts val="0"/>
       </a:spcAft>
       <a:buNone/>
-      <a:defRPr b="0" i="0" sz="1400" u="none" cap="none" strike="noStrike">
+      <a:defRPr sz="1400" b="0" i="0" u="none" strike="noStrike" cap="none">
         <a:solidFill>
           <a:srgbClr val="000000"/>
         </a:solidFill>
@@ -212,7 +201,7 @@
         <a:sym typeface="Arial"/>
       </a:defRPr>
     </a:lvl8pPr>
-    <a:lvl9pPr lvl="8" marR="0" rtl="0" algn="l">
+    <a:lvl9pPr marR="0" lvl="8" algn="l" rtl="0">
       <a:lnSpc>
         <a:spcPct val="100000"/>
       </a:lnSpc>
@@ -223,7 +212,7 @@
         <a:spcPts val="0"/>
       </a:spcAft>
       <a:buNone/>
-      <a:defRPr b="0" i="0" sz="1400" u="none" cap="none" strike="noStrike">
+      <a:defRPr sz="1400" b="0" i="0" u="none" strike="noStrike" cap="none">
         <a:solidFill>
           <a:srgbClr val="000000"/>
         </a:solidFill>
@@ -237,20 +226,17 @@
 </p:presentation>
 </file>
 
-<file path=ppt/comments/comment1.xml><?xml version="1.0" encoding="utf-8"?>
-<p:cmLst xmlns:a="http://schemas.openxmlformats.org/drawingml/2006/main" xmlns:r="http://schemas.openxmlformats.org/officeDocument/2006/relationships" xmlns:mc="http://schemas.openxmlformats.org/markup-compatibility/2006" xmlns:mv="urn:schemas-microsoft-com:mac:vml" xmlns:p="http://schemas.openxmlformats.org/presentationml/2006/main" xmlns:c="http://schemas.openxmlformats.org/drawingml/2006/chart" xmlns:dgm="http://schemas.openxmlformats.org/drawingml/2006/diagram" xmlns:o="urn:schemas-microsoft-com:office:office" xmlns:v="urn:schemas-microsoft-com:vml" xmlns:pvml="urn:schemas-microsoft-com:office:powerpoint" xmlns:com="http://schemas.openxmlformats.org/drawingml/2006/compatibility" xmlns:p14="http://schemas.microsoft.com/office/powerpoint/2010/main"/>
-</file>
-
-<file path=ppt/comments/comment2.xml><?xml version="1.0" encoding="utf-8"?>
-<p:cmLst xmlns:a="http://schemas.openxmlformats.org/drawingml/2006/main" xmlns:r="http://schemas.openxmlformats.org/officeDocument/2006/relationships" xmlns:mc="http://schemas.openxmlformats.org/markup-compatibility/2006" xmlns:mv="urn:schemas-microsoft-com:mac:vml" xmlns:p="http://schemas.openxmlformats.org/presentationml/2006/main" xmlns:c="http://schemas.openxmlformats.org/drawingml/2006/chart" xmlns:dgm="http://schemas.openxmlformats.org/drawingml/2006/diagram" xmlns:o="urn:schemas-microsoft-com:office:office" xmlns:v="urn:schemas-microsoft-com:vml" xmlns:pvml="urn:schemas-microsoft-com:office:powerpoint" xmlns:com="http://schemas.openxmlformats.org/drawingml/2006/compatibility" xmlns:p14="http://schemas.microsoft.com/office/powerpoint/2010/main"/>
-</file>
-
 <file path=ppt/notesMasters/notesMaster1.xml><?xml version="1.0" encoding="utf-8"?>
-<p:notesMaster xmlns:a="http://schemas.openxmlformats.org/drawingml/2006/main" xmlns:r="http://schemas.openxmlformats.org/officeDocument/2006/relationships" xmlns:mc="http://schemas.openxmlformats.org/markup-compatibility/2006" xmlns:mv="urn:schemas-microsoft-com:mac:vml" xmlns:p="http://schemas.openxmlformats.org/presentationml/2006/main" xmlns:c="http://schemas.openxmlformats.org/drawingml/2006/chart" xmlns:dgm="http://schemas.openxmlformats.org/drawingml/2006/diagram" xmlns:o="urn:schemas-microsoft-com:office:office" xmlns:v="urn:schemas-microsoft-com:vml" xmlns:pvml="urn:schemas-microsoft-com:office:powerpoint" xmlns:com="http://schemas.openxmlformats.org/drawingml/2006/compatibility" xmlns:p14="http://schemas.microsoft.com/office/powerpoint/2010/main">
+<p:notesMaster xmlns:a="http://schemas.openxmlformats.org/drawingml/2006/main" xmlns:r="http://schemas.openxmlformats.org/officeDocument/2006/relationships" xmlns:p="http://schemas.openxmlformats.org/presentationml/2006/main">
   <p:cSld>
+    <p:bg>
+      <p:bgRef idx="1001">
+        <a:schemeClr val="bg1"/>
+      </p:bgRef>
+    </p:bg>
     <p:spTree>
       <p:nvGrpSpPr>
-        <p:cNvPr id="2" name="Shape 2"/>
+        <p:cNvPr id="1" name="Shape 2"/>
         <p:cNvGrpSpPr/>
         <p:nvPr/>
       </p:nvGrpSpPr>
@@ -265,9 +251,11 @@
       <p:sp>
         <p:nvSpPr>
           <p:cNvPr id="3" name="Shape 3"/>
-          <p:cNvSpPr/>
+          <p:cNvSpPr>
+            <a:spLocks noGrp="1" noRot="1" noChangeAspect="1"/>
+          </p:cNvSpPr>
           <p:nvPr>
-            <p:ph idx="2" type="sldImg"/>
+            <p:ph type="sldImg" idx="2"/>
           </p:nvPr>
         </p:nvSpPr>
         <p:spPr>
@@ -276,8 +264,13 @@
             <a:ext cx="4572000" cy="3429000"/>
           </a:xfrm>
           <a:custGeom>
+            <a:avLst/>
+            <a:gdLst/>
+            <a:ahLst/>
+            <a:cxnLst/>
+            <a:rect l="0" t="0" r="0" b="0"/>
             <a:pathLst>
-              <a:path extrusionOk="0" h="120000" w="120000">
+              <a:path w="120000" h="120000" extrusionOk="0">
                 <a:moveTo>
                   <a:pt x="0" y="0"/>
                 </a:moveTo>
@@ -295,23 +288,25 @@
             </a:pathLst>
           </a:custGeom>
           <a:noFill/>
-          <a:ln cap="flat" cmpd="sng" w="9525">
+          <a:ln w="9525" cap="flat" cmpd="sng">
             <a:solidFill>
               <a:srgbClr val="000000"/>
             </a:solidFill>
             <a:prstDash val="solid"/>
             <a:round/>
-            <a:headEnd len="med" w="med" type="none"/>
-            <a:tailEnd len="med" w="med" type="none"/>
+            <a:headEnd type="none" w="med" len="med"/>
+            <a:tailEnd type="none" w="med" len="med"/>
           </a:ln>
         </p:spPr>
       </p:sp>
       <p:sp>
         <p:nvSpPr>
           <p:cNvPr id="4" name="Shape 4"/>
-          <p:cNvSpPr txBox="1"/>
+          <p:cNvSpPr txBox="1">
+            <a:spLocks noGrp="1"/>
+          </p:cNvSpPr>
           <p:nvPr>
-            <p:ph idx="1" type="body"/>
+            <p:ph type="body" idx="1"/>
           </p:nvPr>
         </p:nvSpPr>
         <p:spPr>
@@ -328,7 +323,7 @@
           </a:ln>
         </p:spPr>
         <p:txBody>
-          <a:bodyPr anchorCtr="0" anchor="t" bIns="91425" lIns="91425" rIns="91425" tIns="91425"/>
+          <a:bodyPr lIns="91425" tIns="91425" rIns="91425" bIns="91425" anchor="t" anchorCtr="0"/>
           <a:lstStyle>
             <a:lvl1pPr lvl="0">
               <a:spcBef>
@@ -385,21 +380,120 @@
               <a:defRPr sz="1100"/>
             </a:lvl9pPr>
           </a:lstStyle>
-          <a:p/>
+          <a:p>
+            <a:endParaRPr/>
+          </a:p>
         </p:txBody>
       </p:sp>
     </p:spTree>
+    <p:extLst>
+      <p:ext uri="{BB962C8B-B14F-4D97-AF65-F5344CB8AC3E}">
+        <p14:creationId xmlns:p14="http://schemas.microsoft.com/office/powerpoint/2010/main" val="2709122704"/>
+      </p:ext>
+    </p:extLst>
   </p:cSld>
-  <p:clrMap accent1="accent1" accent2="accent2" accent3="accent3" accent4="accent4" accent5="accent5" accent6="accent6" bg1="lt1" bg2="dk2" tx1="dk1" tx2="lt2" folHlink="folHlink" hlink="hlink"/>
+  <p:clrMap bg1="lt1" tx1="dk1" bg2="dk2" tx2="lt2" accent1="accent1" accent2="accent2" accent3="accent3" accent4="accent4" accent5="accent5" accent6="accent6" hlink="hlink" folHlink="folHlink"/>
+  <p:notesStyle>
+    <a:lvl1pPr marL="0" algn="l" defTabSz="457200" rtl="0" eaLnBrk="1" latinLnBrk="0" hangingPunct="1">
+      <a:defRPr sz="1200" kern="1200">
+        <a:solidFill>
+          <a:schemeClr val="tx1"/>
+        </a:solidFill>
+        <a:latin typeface="+mn-lt"/>
+        <a:ea typeface="+mn-ea"/>
+        <a:cs typeface="+mn-cs"/>
+      </a:defRPr>
+    </a:lvl1pPr>
+    <a:lvl2pPr marL="457200" algn="l" defTabSz="457200" rtl="0" eaLnBrk="1" latinLnBrk="0" hangingPunct="1">
+      <a:defRPr sz="1200" kern="1200">
+        <a:solidFill>
+          <a:schemeClr val="tx1"/>
+        </a:solidFill>
+        <a:latin typeface="+mn-lt"/>
+        <a:ea typeface="+mn-ea"/>
+        <a:cs typeface="+mn-cs"/>
+      </a:defRPr>
+    </a:lvl2pPr>
+    <a:lvl3pPr marL="914400" algn="l" defTabSz="457200" rtl="0" eaLnBrk="1" latinLnBrk="0" hangingPunct="1">
+      <a:defRPr sz="1200" kern="1200">
+        <a:solidFill>
+          <a:schemeClr val="tx1"/>
+        </a:solidFill>
+        <a:latin typeface="+mn-lt"/>
+        <a:ea typeface="+mn-ea"/>
+        <a:cs typeface="+mn-cs"/>
+      </a:defRPr>
+    </a:lvl3pPr>
+    <a:lvl4pPr marL="1371600" algn="l" defTabSz="457200" rtl="0" eaLnBrk="1" latinLnBrk="0" hangingPunct="1">
+      <a:defRPr sz="1200" kern="1200">
+        <a:solidFill>
+          <a:schemeClr val="tx1"/>
+        </a:solidFill>
+        <a:latin typeface="+mn-lt"/>
+        <a:ea typeface="+mn-ea"/>
+        <a:cs typeface="+mn-cs"/>
+      </a:defRPr>
+    </a:lvl4pPr>
+    <a:lvl5pPr marL="1828800" algn="l" defTabSz="457200" rtl="0" eaLnBrk="1" latinLnBrk="0" hangingPunct="1">
+      <a:defRPr sz="1200" kern="1200">
+        <a:solidFill>
+          <a:schemeClr val="tx1"/>
+        </a:solidFill>
+        <a:latin typeface="+mn-lt"/>
+        <a:ea typeface="+mn-ea"/>
+        <a:cs typeface="+mn-cs"/>
+      </a:defRPr>
+    </a:lvl5pPr>
+    <a:lvl6pPr marL="2286000" algn="l" defTabSz="457200" rtl="0" eaLnBrk="1" latinLnBrk="0" hangingPunct="1">
+      <a:defRPr sz="1200" kern="1200">
+        <a:solidFill>
+          <a:schemeClr val="tx1"/>
+        </a:solidFill>
+        <a:latin typeface="+mn-lt"/>
+        <a:ea typeface="+mn-ea"/>
+        <a:cs typeface="+mn-cs"/>
+      </a:defRPr>
+    </a:lvl6pPr>
+    <a:lvl7pPr marL="2743200" algn="l" defTabSz="457200" rtl="0" eaLnBrk="1" latinLnBrk="0" hangingPunct="1">
+      <a:defRPr sz="1200" kern="1200">
+        <a:solidFill>
+          <a:schemeClr val="tx1"/>
+        </a:solidFill>
+        <a:latin typeface="+mn-lt"/>
+        <a:ea typeface="+mn-ea"/>
+        <a:cs typeface="+mn-cs"/>
+      </a:defRPr>
+    </a:lvl7pPr>
+    <a:lvl8pPr marL="3200400" algn="l" defTabSz="457200" rtl="0" eaLnBrk="1" latinLnBrk="0" hangingPunct="1">
+      <a:defRPr sz="1200" kern="1200">
+        <a:solidFill>
+          <a:schemeClr val="tx1"/>
+        </a:solidFill>
+        <a:latin typeface="+mn-lt"/>
+        <a:ea typeface="+mn-ea"/>
+        <a:cs typeface="+mn-cs"/>
+      </a:defRPr>
+    </a:lvl8pPr>
+    <a:lvl9pPr marL="3657600" algn="l" defTabSz="457200" rtl="0" eaLnBrk="1" latinLnBrk="0" hangingPunct="1">
+      <a:defRPr sz="1200" kern="1200">
+        <a:solidFill>
+          <a:schemeClr val="tx1"/>
+        </a:solidFill>
+        <a:latin typeface="+mn-lt"/>
+        <a:ea typeface="+mn-ea"/>
+        <a:cs typeface="+mn-cs"/>
+      </a:defRPr>
+    </a:lvl9pPr>
+  </p:notesStyle>
 </p:notesMaster>
 </file>
 
 <file path=ppt/notesSlides/notesSlide1.xml><?xml version="1.0" encoding="utf-8"?>
-<p:notes xmlns:a="http://schemas.openxmlformats.org/drawingml/2006/main" xmlns:r="http://schemas.openxmlformats.org/officeDocument/2006/relationships" xmlns:mc="http://schemas.openxmlformats.org/markup-compatibility/2006" xmlns:mv="urn:schemas-microsoft-com:mac:vml" xmlns:p="http://schemas.openxmlformats.org/presentationml/2006/main" xmlns:c="http://schemas.openxmlformats.org/drawingml/2006/chart" xmlns:dgm="http://schemas.openxmlformats.org/drawingml/2006/diagram" xmlns:o="urn:schemas-microsoft-com:office:office" xmlns:v="urn:schemas-microsoft-com:vml" xmlns:pvml="urn:schemas-microsoft-com:office:powerpoint" xmlns:com="http://schemas.openxmlformats.org/drawingml/2006/compatibility" xmlns:p14="http://schemas.microsoft.com/office/powerpoint/2010/main" showMasterPhAnim="0" showMasterSp="0">
+<p:notes xmlns:a="http://schemas.openxmlformats.org/drawingml/2006/main" xmlns:r="http://schemas.openxmlformats.org/officeDocument/2006/relationships" xmlns:p="http://schemas.openxmlformats.org/presentationml/2006/main" showMasterSp="0" showMasterPhAnim="0">
   <p:cSld>
     <p:spTree>
       <p:nvGrpSpPr>
-        <p:cNvPr id="55" name="Shape 55"/>
+        <p:cNvPr id="1" name="Shape 55"/>
         <p:cNvGrpSpPr/>
         <p:nvPr/>
       </p:nvGrpSpPr>
@@ -414,9 +508,11 @@
       <p:sp>
         <p:nvSpPr>
           <p:cNvPr id="56" name="Shape 56"/>
-          <p:cNvSpPr/>
+          <p:cNvSpPr>
+            <a:spLocks noGrp="1" noRot="1" noChangeAspect="1"/>
+          </p:cNvSpPr>
           <p:nvPr>
-            <p:ph idx="2" type="sldImg"/>
+            <p:ph type="sldImg" idx="2"/>
           </p:nvPr>
         </p:nvSpPr>
         <p:spPr>
@@ -425,8 +521,13 @@
             <a:ext cx="4572000" cy="3429000"/>
           </a:xfrm>
           <a:custGeom>
+            <a:avLst/>
+            <a:gdLst/>
+            <a:ahLst/>
+            <a:cxnLst/>
+            <a:rect l="0" t="0" r="0" b="0"/>
             <a:pathLst>
-              <a:path extrusionOk="0" h="120000" w="120000">
+              <a:path w="120000" h="120000" extrusionOk="0">
                 <a:moveTo>
                   <a:pt x="0" y="0"/>
                 </a:moveTo>
@@ -448,9 +549,11 @@
       <p:sp>
         <p:nvSpPr>
           <p:cNvPr id="57" name="Shape 57"/>
-          <p:cNvSpPr txBox="1"/>
+          <p:cNvSpPr txBox="1">
+            <a:spLocks noGrp="1"/>
+          </p:cNvSpPr>
           <p:nvPr>
-            <p:ph idx="1" type="body"/>
+            <p:ph type="body" idx="1"/>
           </p:nvPr>
         </p:nvSpPr>
         <p:spPr>
@@ -463,7 +566,7 @@
           </a:prstGeom>
         </p:spPr>
         <p:txBody>
-          <a:bodyPr anchorCtr="0" anchor="t" bIns="91425" lIns="91425" rIns="91425" tIns="91425">
+          <a:bodyPr lIns="91425" tIns="91425" rIns="91425" bIns="91425" anchor="t" anchorCtr="0">
             <a:noAutofit/>
           </a:bodyPr>
           <a:lstStyle/>
@@ -474,9 +577,6 @@
               </a:spcBef>
               <a:buNone/>
             </a:pPr>
-            <a:r>
-              <a:t/>
-            </a:r>
             <a:endParaRPr/>
           </a:p>
         </p:txBody>
@@ -490,11 +590,11 @@
 </file>
 
 <file path=ppt/notesSlides/notesSlide10.xml><?xml version="1.0" encoding="utf-8"?>
-<p:notes xmlns:a="http://schemas.openxmlformats.org/drawingml/2006/main" xmlns:r="http://schemas.openxmlformats.org/officeDocument/2006/relationships" xmlns:mc="http://schemas.openxmlformats.org/markup-compatibility/2006" xmlns:mv="urn:schemas-microsoft-com:mac:vml" xmlns:p="http://schemas.openxmlformats.org/presentationml/2006/main" xmlns:c="http://schemas.openxmlformats.org/drawingml/2006/chart" xmlns:dgm="http://schemas.openxmlformats.org/drawingml/2006/diagram" xmlns:o="urn:schemas-microsoft-com:office:office" xmlns:v="urn:schemas-microsoft-com:vml" xmlns:pvml="urn:schemas-microsoft-com:office:powerpoint" xmlns:com="http://schemas.openxmlformats.org/drawingml/2006/compatibility" xmlns:p14="http://schemas.microsoft.com/office/powerpoint/2010/main" showMasterPhAnim="0" showMasterSp="0">
+<p:notes xmlns:a="http://schemas.openxmlformats.org/drawingml/2006/main" xmlns:r="http://schemas.openxmlformats.org/officeDocument/2006/relationships" xmlns:p="http://schemas.openxmlformats.org/presentationml/2006/main" showMasterSp="0" showMasterPhAnim="0">
   <p:cSld>
     <p:spTree>
       <p:nvGrpSpPr>
-        <p:cNvPr id="111" name="Shape 111"/>
+        <p:cNvPr id="1" name="Shape 111"/>
         <p:cNvGrpSpPr/>
         <p:nvPr/>
       </p:nvGrpSpPr>
@@ -509,9 +609,11 @@
       <p:sp>
         <p:nvSpPr>
           <p:cNvPr id="112" name="Shape 112"/>
-          <p:cNvSpPr/>
+          <p:cNvSpPr>
+            <a:spLocks noGrp="1" noRot="1" noChangeAspect="1"/>
+          </p:cNvSpPr>
           <p:nvPr>
-            <p:ph idx="2" type="sldImg"/>
+            <p:ph type="sldImg" idx="2"/>
           </p:nvPr>
         </p:nvSpPr>
         <p:spPr>
@@ -520,8 +622,13 @@
             <a:ext cx="4572000" cy="3429000"/>
           </a:xfrm>
           <a:custGeom>
+            <a:avLst/>
+            <a:gdLst/>
+            <a:ahLst/>
+            <a:cxnLst/>
+            <a:rect l="0" t="0" r="0" b="0"/>
             <a:pathLst>
-              <a:path extrusionOk="0" h="120000" w="120000">
+              <a:path w="120000" h="120000" extrusionOk="0">
                 <a:moveTo>
                   <a:pt x="0" y="0"/>
                 </a:moveTo>
@@ -543,9 +650,11 @@
       <p:sp>
         <p:nvSpPr>
           <p:cNvPr id="113" name="Shape 113"/>
-          <p:cNvSpPr txBox="1"/>
+          <p:cNvSpPr txBox="1">
+            <a:spLocks noGrp="1"/>
+          </p:cNvSpPr>
           <p:nvPr>
-            <p:ph idx="1" type="body"/>
+            <p:ph type="body" idx="1"/>
           </p:nvPr>
         </p:nvSpPr>
         <p:spPr>
@@ -558,7 +667,7 @@
           </a:prstGeom>
         </p:spPr>
         <p:txBody>
-          <a:bodyPr anchorCtr="0" anchor="t" bIns="91425" lIns="91425" rIns="91425" tIns="91425">
+          <a:bodyPr lIns="91425" tIns="91425" rIns="91425" bIns="91425" anchor="t" anchorCtr="0">
             <a:noAutofit/>
           </a:bodyPr>
           <a:lstStyle/>
@@ -569,9 +678,6 @@
               </a:spcBef>
               <a:buNone/>
             </a:pPr>
-            <a:r>
-              <a:t/>
-            </a:r>
             <a:endParaRPr/>
           </a:p>
         </p:txBody>
@@ -585,11 +691,11 @@
 </file>
 
 <file path=ppt/notesSlides/notesSlide2.xml><?xml version="1.0" encoding="utf-8"?>
-<p:notes xmlns:a="http://schemas.openxmlformats.org/drawingml/2006/main" xmlns:r="http://schemas.openxmlformats.org/officeDocument/2006/relationships" xmlns:mc="http://schemas.openxmlformats.org/markup-compatibility/2006" xmlns:mv="urn:schemas-microsoft-com:mac:vml" xmlns:p="http://schemas.openxmlformats.org/presentationml/2006/main" xmlns:c="http://schemas.openxmlformats.org/drawingml/2006/chart" xmlns:dgm="http://schemas.openxmlformats.org/drawingml/2006/diagram" xmlns:o="urn:schemas-microsoft-com:office:office" xmlns:v="urn:schemas-microsoft-com:vml" xmlns:pvml="urn:schemas-microsoft-com:office:powerpoint" xmlns:com="http://schemas.openxmlformats.org/drawingml/2006/compatibility" xmlns:p14="http://schemas.microsoft.com/office/powerpoint/2010/main" showMasterPhAnim="0" showMasterSp="0">
+<p:notes xmlns:a="http://schemas.openxmlformats.org/drawingml/2006/main" xmlns:r="http://schemas.openxmlformats.org/officeDocument/2006/relationships" xmlns:p="http://schemas.openxmlformats.org/presentationml/2006/main" showMasterSp="0" showMasterPhAnim="0">
   <p:cSld>
     <p:spTree>
       <p:nvGrpSpPr>
-        <p:cNvPr id="62" name="Shape 62"/>
+        <p:cNvPr id="1" name="Shape 62"/>
         <p:cNvGrpSpPr/>
         <p:nvPr/>
       </p:nvGrpSpPr>
@@ -604,9 +710,11 @@
       <p:sp>
         <p:nvSpPr>
           <p:cNvPr id="63" name="Shape 63"/>
-          <p:cNvSpPr/>
+          <p:cNvSpPr>
+            <a:spLocks noGrp="1" noRot="1" noChangeAspect="1"/>
+          </p:cNvSpPr>
           <p:nvPr>
-            <p:ph idx="2" type="sldImg"/>
+            <p:ph type="sldImg" idx="2"/>
           </p:nvPr>
         </p:nvSpPr>
         <p:spPr>
@@ -615,8 +723,13 @@
             <a:ext cx="4572000" cy="3429000"/>
           </a:xfrm>
           <a:custGeom>
+            <a:avLst/>
+            <a:gdLst/>
+            <a:ahLst/>
+            <a:cxnLst/>
+            <a:rect l="0" t="0" r="0" b="0"/>
             <a:pathLst>
-              <a:path extrusionOk="0" h="120000" w="120000">
+              <a:path w="120000" h="120000" extrusionOk="0">
                 <a:moveTo>
                   <a:pt x="0" y="0"/>
                 </a:moveTo>
@@ -638,9 +751,11 @@
       <p:sp>
         <p:nvSpPr>
           <p:cNvPr id="64" name="Shape 64"/>
-          <p:cNvSpPr txBox="1"/>
+          <p:cNvSpPr txBox="1">
+            <a:spLocks noGrp="1"/>
+          </p:cNvSpPr>
           <p:nvPr>
-            <p:ph idx="1" type="body"/>
+            <p:ph type="body" idx="1"/>
           </p:nvPr>
         </p:nvSpPr>
         <p:spPr>
@@ -653,7 +768,7 @@
           </a:prstGeom>
         </p:spPr>
         <p:txBody>
-          <a:bodyPr anchorCtr="0" anchor="t" bIns="91425" lIns="91425" rIns="91425" tIns="91425">
+          <a:bodyPr lIns="91425" tIns="91425" rIns="91425" bIns="91425" anchor="t" anchorCtr="0">
             <a:noAutofit/>
           </a:bodyPr>
           <a:lstStyle/>
@@ -664,9 +779,6 @@
               </a:spcBef>
               <a:buNone/>
             </a:pPr>
-            <a:r>
-              <a:t/>
-            </a:r>
             <a:endParaRPr/>
           </a:p>
         </p:txBody>
@@ -680,11 +792,11 @@
 </file>
 
 <file path=ppt/notesSlides/notesSlide3.xml><?xml version="1.0" encoding="utf-8"?>
-<p:notes xmlns:a="http://schemas.openxmlformats.org/drawingml/2006/main" xmlns:r="http://schemas.openxmlformats.org/officeDocument/2006/relationships" xmlns:mc="http://schemas.openxmlformats.org/markup-compatibility/2006" xmlns:mv="urn:schemas-microsoft-com:mac:vml" xmlns:p="http://schemas.openxmlformats.org/presentationml/2006/main" xmlns:c="http://schemas.openxmlformats.org/drawingml/2006/chart" xmlns:dgm="http://schemas.openxmlformats.org/drawingml/2006/diagram" xmlns:o="urn:schemas-microsoft-com:office:office" xmlns:v="urn:schemas-microsoft-com:vml" xmlns:pvml="urn:schemas-microsoft-com:office:powerpoint" xmlns:com="http://schemas.openxmlformats.org/drawingml/2006/compatibility" xmlns:p14="http://schemas.microsoft.com/office/powerpoint/2010/main" showMasterPhAnim="0" showMasterSp="0">
+<p:notes xmlns:a="http://schemas.openxmlformats.org/drawingml/2006/main" xmlns:r="http://schemas.openxmlformats.org/officeDocument/2006/relationships" xmlns:p="http://schemas.openxmlformats.org/presentationml/2006/main" showMasterSp="0" showMasterPhAnim="0">
   <p:cSld>
     <p:spTree>
       <p:nvGrpSpPr>
-        <p:cNvPr id="68" name="Shape 68"/>
+        <p:cNvPr id="1" name="Shape 68"/>
         <p:cNvGrpSpPr/>
         <p:nvPr/>
       </p:nvGrpSpPr>
@@ -699,19 +811,26 @@
       <p:sp>
         <p:nvSpPr>
           <p:cNvPr id="69" name="Shape 69"/>
-          <p:cNvSpPr/>
+          <p:cNvSpPr>
+            <a:spLocks noGrp="1" noRot="1" noChangeAspect="1"/>
+          </p:cNvSpPr>
           <p:nvPr>
-            <p:ph idx="2" type="sldImg"/>
+            <p:ph type="sldImg" idx="2"/>
           </p:nvPr>
         </p:nvSpPr>
         <p:spPr>
           <a:xfrm>
-            <a:off x="1143309" y="685800"/>
+            <a:off x="1143000" y="685800"/>
             <a:ext cx="4572000" cy="3429000"/>
           </a:xfrm>
           <a:custGeom>
+            <a:avLst/>
+            <a:gdLst/>
+            <a:ahLst/>
+            <a:cxnLst/>
+            <a:rect l="0" t="0" r="0" b="0"/>
             <a:pathLst>
-              <a:path extrusionOk="0" h="120000" w="120000">
+              <a:path w="120000" h="120000" extrusionOk="0">
                 <a:moveTo>
                   <a:pt x="0" y="0"/>
                 </a:moveTo>
@@ -733,9 +852,11 @@
       <p:sp>
         <p:nvSpPr>
           <p:cNvPr id="70" name="Shape 70"/>
-          <p:cNvSpPr txBox="1"/>
+          <p:cNvSpPr txBox="1">
+            <a:spLocks noGrp="1"/>
+          </p:cNvSpPr>
           <p:nvPr>
-            <p:ph idx="1" type="body"/>
+            <p:ph type="body" idx="1"/>
           </p:nvPr>
         </p:nvSpPr>
         <p:spPr>
@@ -748,7 +869,7 @@
           </a:prstGeom>
         </p:spPr>
         <p:txBody>
-          <a:bodyPr anchorCtr="0" anchor="t" bIns="91425" lIns="91425" rIns="91425" tIns="91425">
+          <a:bodyPr lIns="91425" tIns="91425" rIns="91425" bIns="91425" anchor="t" anchorCtr="0">
             <a:noAutofit/>
           </a:bodyPr>
           <a:lstStyle/>
@@ -759,9 +880,6 @@
               </a:spcBef>
               <a:buNone/>
             </a:pPr>
-            <a:r>
-              <a:t/>
-            </a:r>
             <a:endParaRPr/>
           </a:p>
         </p:txBody>
@@ -775,11 +893,11 @@
 </file>
 
 <file path=ppt/notesSlides/notesSlide4.xml><?xml version="1.0" encoding="utf-8"?>
-<p:notes xmlns:a="http://schemas.openxmlformats.org/drawingml/2006/main" xmlns:r="http://schemas.openxmlformats.org/officeDocument/2006/relationships" xmlns:mc="http://schemas.openxmlformats.org/markup-compatibility/2006" xmlns:mv="urn:schemas-microsoft-com:mac:vml" xmlns:p="http://schemas.openxmlformats.org/presentationml/2006/main" xmlns:c="http://schemas.openxmlformats.org/drawingml/2006/chart" xmlns:dgm="http://schemas.openxmlformats.org/drawingml/2006/diagram" xmlns:o="urn:schemas-microsoft-com:office:office" xmlns:v="urn:schemas-microsoft-com:vml" xmlns:pvml="urn:schemas-microsoft-com:office:powerpoint" xmlns:com="http://schemas.openxmlformats.org/drawingml/2006/compatibility" xmlns:p14="http://schemas.microsoft.com/office/powerpoint/2010/main" showMasterPhAnim="0" showMasterSp="0">
+<p:notes xmlns:a="http://schemas.openxmlformats.org/drawingml/2006/main" xmlns:r="http://schemas.openxmlformats.org/officeDocument/2006/relationships" xmlns:p="http://schemas.openxmlformats.org/presentationml/2006/main" showMasterSp="0" showMasterPhAnim="0">
   <p:cSld>
     <p:spTree>
       <p:nvGrpSpPr>
-        <p:cNvPr id="74" name="Shape 74"/>
+        <p:cNvPr id="1" name="Shape 74"/>
         <p:cNvGrpSpPr/>
         <p:nvPr/>
       </p:nvGrpSpPr>
@@ -794,19 +912,26 @@
       <p:sp>
         <p:nvSpPr>
           <p:cNvPr id="75" name="Shape 75"/>
-          <p:cNvSpPr/>
+          <p:cNvSpPr>
+            <a:spLocks noGrp="1" noRot="1" noChangeAspect="1"/>
+          </p:cNvSpPr>
           <p:nvPr>
-            <p:ph idx="2" type="sldImg"/>
+            <p:ph type="sldImg" idx="2"/>
           </p:nvPr>
         </p:nvSpPr>
         <p:spPr>
           <a:xfrm>
-            <a:off x="1143300" y="685800"/>
+            <a:off x="1143000" y="685800"/>
             <a:ext cx="4572000" cy="3429000"/>
           </a:xfrm>
           <a:custGeom>
+            <a:avLst/>
+            <a:gdLst/>
+            <a:ahLst/>
+            <a:cxnLst/>
+            <a:rect l="0" t="0" r="0" b="0"/>
             <a:pathLst>
-              <a:path extrusionOk="0" h="120000" w="120000">
+              <a:path w="120000" h="120000" extrusionOk="0">
                 <a:moveTo>
                   <a:pt x="0" y="0"/>
                 </a:moveTo>
@@ -828,9 +953,11 @@
       <p:sp>
         <p:nvSpPr>
           <p:cNvPr id="76" name="Shape 76"/>
-          <p:cNvSpPr txBox="1"/>
+          <p:cNvSpPr txBox="1">
+            <a:spLocks noGrp="1"/>
+          </p:cNvSpPr>
           <p:nvPr>
-            <p:ph idx="1" type="body"/>
+            <p:ph type="body" idx="1"/>
           </p:nvPr>
         </p:nvSpPr>
         <p:spPr>
@@ -843,7 +970,7 @@
           </a:prstGeom>
         </p:spPr>
         <p:txBody>
-          <a:bodyPr anchorCtr="0" anchor="t" bIns="91425" lIns="91425" rIns="91425" tIns="91425">
+          <a:bodyPr lIns="91425" tIns="91425" rIns="91425" bIns="91425" anchor="t" anchorCtr="0">
             <a:noAutofit/>
           </a:bodyPr>
           <a:lstStyle/>
@@ -854,9 +981,6 @@
               </a:spcBef>
               <a:buNone/>
             </a:pPr>
-            <a:r>
-              <a:t/>
-            </a:r>
             <a:endParaRPr/>
           </a:p>
         </p:txBody>
@@ -870,11 +994,11 @@
 </file>
 
 <file path=ppt/notesSlides/notesSlide5.xml><?xml version="1.0" encoding="utf-8"?>
-<p:notes xmlns:a="http://schemas.openxmlformats.org/drawingml/2006/main" xmlns:r="http://schemas.openxmlformats.org/officeDocument/2006/relationships" xmlns:mc="http://schemas.openxmlformats.org/markup-compatibility/2006" xmlns:mv="urn:schemas-microsoft-com:mac:vml" xmlns:p="http://schemas.openxmlformats.org/presentationml/2006/main" xmlns:c="http://schemas.openxmlformats.org/drawingml/2006/chart" xmlns:dgm="http://schemas.openxmlformats.org/drawingml/2006/diagram" xmlns:o="urn:schemas-microsoft-com:office:office" xmlns:v="urn:schemas-microsoft-com:vml" xmlns:pvml="urn:schemas-microsoft-com:office:powerpoint" xmlns:com="http://schemas.openxmlformats.org/drawingml/2006/compatibility" xmlns:p14="http://schemas.microsoft.com/office/powerpoint/2010/main" showMasterPhAnim="0" showMasterSp="0">
+<p:notes xmlns:a="http://schemas.openxmlformats.org/drawingml/2006/main" xmlns:r="http://schemas.openxmlformats.org/officeDocument/2006/relationships" xmlns:p="http://schemas.openxmlformats.org/presentationml/2006/main" showMasterSp="0" showMasterPhAnim="0">
   <p:cSld>
     <p:spTree>
       <p:nvGrpSpPr>
-        <p:cNvPr id="80" name="Shape 80"/>
+        <p:cNvPr id="1" name="Shape 80"/>
         <p:cNvGrpSpPr/>
         <p:nvPr/>
       </p:nvGrpSpPr>
@@ -889,19 +1013,26 @@
       <p:sp>
         <p:nvSpPr>
           <p:cNvPr id="81" name="Shape 81"/>
-          <p:cNvSpPr/>
+          <p:cNvSpPr>
+            <a:spLocks noGrp="1" noRot="1" noChangeAspect="1"/>
+          </p:cNvSpPr>
           <p:nvPr>
-            <p:ph idx="2" type="sldImg"/>
+            <p:ph type="sldImg" idx="2"/>
           </p:nvPr>
         </p:nvSpPr>
         <p:spPr>
           <a:xfrm>
-            <a:off x="1143300" y="685800"/>
+            <a:off x="1143000" y="685800"/>
             <a:ext cx="4572000" cy="3429000"/>
           </a:xfrm>
           <a:custGeom>
+            <a:avLst/>
+            <a:gdLst/>
+            <a:ahLst/>
+            <a:cxnLst/>
+            <a:rect l="0" t="0" r="0" b="0"/>
             <a:pathLst>
-              <a:path extrusionOk="0" h="120000" w="120000">
+              <a:path w="120000" h="120000" extrusionOk="0">
                 <a:moveTo>
                   <a:pt x="0" y="0"/>
                 </a:moveTo>
@@ -923,9 +1054,11 @@
       <p:sp>
         <p:nvSpPr>
           <p:cNvPr id="82" name="Shape 82"/>
-          <p:cNvSpPr txBox="1"/>
+          <p:cNvSpPr txBox="1">
+            <a:spLocks noGrp="1"/>
+          </p:cNvSpPr>
           <p:nvPr>
-            <p:ph idx="1" type="body"/>
+            <p:ph type="body" idx="1"/>
           </p:nvPr>
         </p:nvSpPr>
         <p:spPr>
@@ -938,7 +1071,7 @@
           </a:prstGeom>
         </p:spPr>
         <p:txBody>
-          <a:bodyPr anchorCtr="0" anchor="t" bIns="91425" lIns="91425" rIns="91425" tIns="91425">
+          <a:bodyPr lIns="91425" tIns="91425" rIns="91425" bIns="91425" anchor="t" anchorCtr="0">
             <a:noAutofit/>
           </a:bodyPr>
           <a:lstStyle/>
@@ -949,9 +1082,6 @@
               </a:spcBef>
               <a:buNone/>
             </a:pPr>
-            <a:r>
-              <a:t/>
-            </a:r>
             <a:endParaRPr/>
           </a:p>
         </p:txBody>
@@ -965,11 +1095,11 @@
 </file>
 
 <file path=ppt/notesSlides/notesSlide6.xml><?xml version="1.0" encoding="utf-8"?>
-<p:notes xmlns:a="http://schemas.openxmlformats.org/drawingml/2006/main" xmlns:r="http://schemas.openxmlformats.org/officeDocument/2006/relationships" xmlns:mc="http://schemas.openxmlformats.org/markup-compatibility/2006" xmlns:mv="urn:schemas-microsoft-com:mac:vml" xmlns:p="http://schemas.openxmlformats.org/presentationml/2006/main" xmlns:c="http://schemas.openxmlformats.org/drawingml/2006/chart" xmlns:dgm="http://schemas.openxmlformats.org/drawingml/2006/diagram" xmlns:o="urn:schemas-microsoft-com:office:office" xmlns:v="urn:schemas-microsoft-com:vml" xmlns:pvml="urn:schemas-microsoft-com:office:powerpoint" xmlns:com="http://schemas.openxmlformats.org/drawingml/2006/compatibility" xmlns:p14="http://schemas.microsoft.com/office/powerpoint/2010/main" showMasterPhAnim="0" showMasterSp="0">
+<p:notes xmlns:a="http://schemas.openxmlformats.org/drawingml/2006/main" xmlns:r="http://schemas.openxmlformats.org/officeDocument/2006/relationships" xmlns:p="http://schemas.openxmlformats.org/presentationml/2006/main" showMasterSp="0" showMasterPhAnim="0">
   <p:cSld>
     <p:spTree>
       <p:nvGrpSpPr>
-        <p:cNvPr id="86" name="Shape 86"/>
+        <p:cNvPr id="1" name="Shape 86"/>
         <p:cNvGrpSpPr/>
         <p:nvPr/>
       </p:nvGrpSpPr>
@@ -984,19 +1114,26 @@
       <p:sp>
         <p:nvSpPr>
           <p:cNvPr id="87" name="Shape 87"/>
-          <p:cNvSpPr/>
+          <p:cNvSpPr>
+            <a:spLocks noGrp="1" noRot="1" noChangeAspect="1"/>
+          </p:cNvSpPr>
           <p:nvPr>
-            <p:ph idx="2" type="sldImg"/>
+            <p:ph type="sldImg" idx="2"/>
           </p:nvPr>
         </p:nvSpPr>
         <p:spPr>
           <a:xfrm>
-            <a:off x="1143309" y="685800"/>
+            <a:off x="1143000" y="685800"/>
             <a:ext cx="4572000" cy="3429000"/>
           </a:xfrm>
           <a:custGeom>
+            <a:avLst/>
+            <a:gdLst/>
+            <a:ahLst/>
+            <a:cxnLst/>
+            <a:rect l="0" t="0" r="0" b="0"/>
             <a:pathLst>
-              <a:path extrusionOk="0" h="120000" w="120000">
+              <a:path w="120000" h="120000" extrusionOk="0">
                 <a:moveTo>
                   <a:pt x="0" y="0"/>
                 </a:moveTo>
@@ -1018,9 +1155,11 @@
       <p:sp>
         <p:nvSpPr>
           <p:cNvPr id="88" name="Shape 88"/>
-          <p:cNvSpPr txBox="1"/>
+          <p:cNvSpPr txBox="1">
+            <a:spLocks noGrp="1"/>
+          </p:cNvSpPr>
           <p:nvPr>
-            <p:ph idx="1" type="body"/>
+            <p:ph type="body" idx="1"/>
           </p:nvPr>
         </p:nvSpPr>
         <p:spPr>
@@ -1033,7 +1172,7 @@
           </a:prstGeom>
         </p:spPr>
         <p:txBody>
-          <a:bodyPr anchorCtr="0" anchor="t" bIns="91425" lIns="91425" rIns="91425" tIns="91425">
+          <a:bodyPr lIns="91425" tIns="91425" rIns="91425" bIns="91425" anchor="t" anchorCtr="0">
             <a:noAutofit/>
           </a:bodyPr>
           <a:lstStyle/>
@@ -1044,9 +1183,6 @@
               </a:spcBef>
               <a:buNone/>
             </a:pPr>
-            <a:r>
-              <a:t/>
-            </a:r>
             <a:endParaRPr/>
           </a:p>
         </p:txBody>
@@ -1060,11 +1196,11 @@
 </file>
 
 <file path=ppt/notesSlides/notesSlide7.xml><?xml version="1.0" encoding="utf-8"?>
-<p:notes xmlns:a="http://schemas.openxmlformats.org/drawingml/2006/main" xmlns:r="http://schemas.openxmlformats.org/officeDocument/2006/relationships" xmlns:mc="http://schemas.openxmlformats.org/markup-compatibility/2006" xmlns:mv="urn:schemas-microsoft-com:mac:vml" xmlns:p="http://schemas.openxmlformats.org/presentationml/2006/main" xmlns:c="http://schemas.openxmlformats.org/drawingml/2006/chart" xmlns:dgm="http://schemas.openxmlformats.org/drawingml/2006/diagram" xmlns:o="urn:schemas-microsoft-com:office:office" xmlns:v="urn:schemas-microsoft-com:vml" xmlns:pvml="urn:schemas-microsoft-com:office:powerpoint" xmlns:com="http://schemas.openxmlformats.org/drawingml/2006/compatibility" xmlns:p14="http://schemas.microsoft.com/office/powerpoint/2010/main" showMasterPhAnim="0" showMasterSp="0">
+<p:notes xmlns:a="http://schemas.openxmlformats.org/drawingml/2006/main" xmlns:r="http://schemas.openxmlformats.org/officeDocument/2006/relationships" xmlns:p="http://schemas.openxmlformats.org/presentationml/2006/main" showMasterSp="0" showMasterPhAnim="0">
   <p:cSld>
     <p:spTree>
       <p:nvGrpSpPr>
-        <p:cNvPr id="92" name="Shape 92"/>
+        <p:cNvPr id="1" name="Shape 92"/>
         <p:cNvGrpSpPr/>
         <p:nvPr/>
       </p:nvGrpSpPr>
@@ -1079,9 +1215,11 @@
       <p:sp>
         <p:nvSpPr>
           <p:cNvPr id="93" name="Shape 93"/>
-          <p:cNvSpPr/>
+          <p:cNvSpPr>
+            <a:spLocks noGrp="1" noRot="1" noChangeAspect="1"/>
+          </p:cNvSpPr>
           <p:nvPr>
-            <p:ph idx="2" type="sldImg"/>
+            <p:ph type="sldImg" idx="2"/>
           </p:nvPr>
         </p:nvSpPr>
         <p:spPr>
@@ -1090,8 +1228,13 @@
             <a:ext cx="4572000" cy="3429000"/>
           </a:xfrm>
           <a:custGeom>
+            <a:avLst/>
+            <a:gdLst/>
+            <a:ahLst/>
+            <a:cxnLst/>
+            <a:rect l="0" t="0" r="0" b="0"/>
             <a:pathLst>
-              <a:path extrusionOk="0" h="120000" w="120000">
+              <a:path w="120000" h="120000" extrusionOk="0">
                 <a:moveTo>
                   <a:pt x="0" y="0"/>
                 </a:moveTo>
@@ -1113,9 +1256,11 @@
       <p:sp>
         <p:nvSpPr>
           <p:cNvPr id="94" name="Shape 94"/>
-          <p:cNvSpPr txBox="1"/>
+          <p:cNvSpPr txBox="1">
+            <a:spLocks noGrp="1"/>
+          </p:cNvSpPr>
           <p:nvPr>
-            <p:ph idx="1" type="body"/>
+            <p:ph type="body" idx="1"/>
           </p:nvPr>
         </p:nvSpPr>
         <p:spPr>
@@ -1128,7 +1273,7 @@
           </a:prstGeom>
         </p:spPr>
         <p:txBody>
-          <a:bodyPr anchorCtr="0" anchor="t" bIns="91425" lIns="91425" rIns="91425" tIns="91425">
+          <a:bodyPr lIns="91425" tIns="91425" rIns="91425" bIns="91425" anchor="t" anchorCtr="0">
             <a:noAutofit/>
           </a:bodyPr>
           <a:lstStyle/>
@@ -1139,9 +1284,6 @@
               </a:spcBef>
               <a:buNone/>
             </a:pPr>
-            <a:r>
-              <a:t/>
-            </a:r>
             <a:endParaRPr/>
           </a:p>
         </p:txBody>
@@ -1155,11 +1297,11 @@
 </file>
 
 <file path=ppt/notesSlides/notesSlide8.xml><?xml version="1.0" encoding="utf-8"?>
-<p:notes xmlns:a="http://schemas.openxmlformats.org/drawingml/2006/main" xmlns:r="http://schemas.openxmlformats.org/officeDocument/2006/relationships" xmlns:mc="http://schemas.openxmlformats.org/markup-compatibility/2006" xmlns:mv="urn:schemas-microsoft-com:mac:vml" xmlns:p="http://schemas.openxmlformats.org/presentationml/2006/main" xmlns:c="http://schemas.openxmlformats.org/drawingml/2006/chart" xmlns:dgm="http://schemas.openxmlformats.org/drawingml/2006/diagram" xmlns:o="urn:schemas-microsoft-com:office:office" xmlns:v="urn:schemas-microsoft-com:vml" xmlns:pvml="urn:schemas-microsoft-com:office:powerpoint" xmlns:com="http://schemas.openxmlformats.org/drawingml/2006/compatibility" xmlns:p14="http://schemas.microsoft.com/office/powerpoint/2010/main" showMasterPhAnim="0" showMasterSp="0">
+<p:notes xmlns:a="http://schemas.openxmlformats.org/drawingml/2006/main" xmlns:r="http://schemas.openxmlformats.org/officeDocument/2006/relationships" xmlns:p="http://schemas.openxmlformats.org/presentationml/2006/main" showMasterSp="0" showMasterPhAnim="0">
   <p:cSld>
     <p:spTree>
       <p:nvGrpSpPr>
-        <p:cNvPr id="98" name="Shape 98"/>
+        <p:cNvPr id="1" name="Shape 98"/>
         <p:cNvGrpSpPr/>
         <p:nvPr/>
       </p:nvGrpSpPr>
@@ -1174,9 +1316,11 @@
       <p:sp>
         <p:nvSpPr>
           <p:cNvPr id="99" name="Shape 99"/>
-          <p:cNvSpPr/>
+          <p:cNvSpPr>
+            <a:spLocks noGrp="1" noRot="1" noChangeAspect="1"/>
+          </p:cNvSpPr>
           <p:nvPr>
-            <p:ph idx="2" type="sldImg"/>
+            <p:ph type="sldImg" idx="2"/>
           </p:nvPr>
         </p:nvSpPr>
         <p:spPr>
@@ -1185,8 +1329,13 @@
             <a:ext cx="4572000" cy="3429000"/>
           </a:xfrm>
           <a:custGeom>
+            <a:avLst/>
+            <a:gdLst/>
+            <a:ahLst/>
+            <a:cxnLst/>
+            <a:rect l="0" t="0" r="0" b="0"/>
             <a:pathLst>
-              <a:path extrusionOk="0" h="120000" w="120000">
+              <a:path w="120000" h="120000" extrusionOk="0">
                 <a:moveTo>
                   <a:pt x="0" y="0"/>
                 </a:moveTo>
@@ -1208,9 +1357,11 @@
       <p:sp>
         <p:nvSpPr>
           <p:cNvPr id="100" name="Shape 100"/>
-          <p:cNvSpPr txBox="1"/>
+          <p:cNvSpPr txBox="1">
+            <a:spLocks noGrp="1"/>
+          </p:cNvSpPr>
           <p:nvPr>
-            <p:ph idx="1" type="body"/>
+            <p:ph type="body" idx="1"/>
           </p:nvPr>
         </p:nvSpPr>
         <p:spPr>
@@ -1223,7 +1374,7 @@
           </a:prstGeom>
         </p:spPr>
         <p:txBody>
-          <a:bodyPr anchorCtr="0" anchor="t" bIns="91425" lIns="91425" rIns="91425" tIns="91425">
+          <a:bodyPr lIns="91425" tIns="91425" rIns="91425" bIns="91425" anchor="t" anchorCtr="0">
             <a:noAutofit/>
           </a:bodyPr>
           <a:lstStyle/>
@@ -1234,9 +1385,6 @@
               </a:spcBef>
               <a:buNone/>
             </a:pPr>
-            <a:r>
-              <a:t/>
-            </a:r>
             <a:endParaRPr/>
           </a:p>
         </p:txBody>
@@ -1250,11 +1398,11 @@
 </file>
 
 <file path=ppt/notesSlides/notesSlide9.xml><?xml version="1.0" encoding="utf-8"?>
-<p:notes xmlns:a="http://schemas.openxmlformats.org/drawingml/2006/main" xmlns:r="http://schemas.openxmlformats.org/officeDocument/2006/relationships" xmlns:mc="http://schemas.openxmlformats.org/markup-compatibility/2006" xmlns:mv="urn:schemas-microsoft-com:mac:vml" xmlns:p="http://schemas.openxmlformats.org/presentationml/2006/main" xmlns:c="http://schemas.openxmlformats.org/drawingml/2006/chart" xmlns:dgm="http://schemas.openxmlformats.org/drawingml/2006/diagram" xmlns:o="urn:schemas-microsoft-com:office:office" xmlns:v="urn:schemas-microsoft-com:vml" xmlns:pvml="urn:schemas-microsoft-com:office:powerpoint" xmlns:com="http://schemas.openxmlformats.org/drawingml/2006/compatibility" xmlns:p14="http://schemas.microsoft.com/office/powerpoint/2010/main" showMasterPhAnim="0" showMasterSp="0">
+<p:notes xmlns:a="http://schemas.openxmlformats.org/drawingml/2006/main" xmlns:r="http://schemas.openxmlformats.org/officeDocument/2006/relationships" xmlns:p="http://schemas.openxmlformats.org/presentationml/2006/main" showMasterSp="0" showMasterPhAnim="0">
   <p:cSld>
     <p:spTree>
       <p:nvGrpSpPr>
-        <p:cNvPr id="105" name="Shape 105"/>
+        <p:cNvPr id="1" name="Shape 105"/>
         <p:cNvGrpSpPr/>
         <p:nvPr/>
       </p:nvGrpSpPr>
@@ -1269,19 +1417,26 @@
       <p:sp>
         <p:nvSpPr>
           <p:cNvPr id="106" name="Shape 106"/>
-          <p:cNvSpPr/>
+          <p:cNvSpPr>
+            <a:spLocks noGrp="1" noRot="1" noChangeAspect="1"/>
+          </p:cNvSpPr>
           <p:nvPr>
-            <p:ph idx="2" type="sldImg"/>
+            <p:ph type="sldImg" idx="2"/>
           </p:nvPr>
         </p:nvSpPr>
         <p:spPr>
           <a:xfrm>
-            <a:off x="1143309" y="685800"/>
+            <a:off x="1143000" y="685800"/>
             <a:ext cx="4572000" cy="3429000"/>
           </a:xfrm>
           <a:custGeom>
+            <a:avLst/>
+            <a:gdLst/>
+            <a:ahLst/>
+            <a:cxnLst/>
+            <a:rect l="0" t="0" r="0" b="0"/>
             <a:pathLst>
-              <a:path extrusionOk="0" h="120000" w="120000">
+              <a:path w="120000" h="120000" extrusionOk="0">
                 <a:moveTo>
                   <a:pt x="0" y="0"/>
                 </a:moveTo>
@@ -1303,9 +1458,11 @@
       <p:sp>
         <p:nvSpPr>
           <p:cNvPr id="107" name="Shape 107"/>
-          <p:cNvSpPr txBox="1"/>
+          <p:cNvSpPr txBox="1">
+            <a:spLocks noGrp="1"/>
+          </p:cNvSpPr>
           <p:nvPr>
-            <p:ph idx="1" type="body"/>
+            <p:ph type="body" idx="1"/>
           </p:nvPr>
         </p:nvSpPr>
         <p:spPr>
@@ -1318,7 +1475,7 @@
           </a:prstGeom>
         </p:spPr>
         <p:txBody>
-          <a:bodyPr anchorCtr="0" anchor="t" bIns="91425" lIns="91425" rIns="91425" tIns="91425">
+          <a:bodyPr lIns="91425" tIns="91425" rIns="91425" bIns="91425" anchor="t" anchorCtr="0">
             <a:noAutofit/>
           </a:bodyPr>
           <a:lstStyle/>
@@ -1329,9 +1486,6 @@
               </a:spcBef>
               <a:buNone/>
             </a:pPr>
-            <a:r>
-              <a:t/>
-            </a:r>
             <a:endParaRPr/>
           </a:p>
         </p:txBody>
@@ -1345,11 +1499,11 @@
 </file>
 
 <file path=ppt/slideLayouts/slideLayout1.xml><?xml version="1.0" encoding="utf-8"?>
-<p:sldLayout xmlns:a="http://schemas.openxmlformats.org/drawingml/2006/main" xmlns:r="http://schemas.openxmlformats.org/officeDocument/2006/relationships" xmlns:mc="http://schemas.openxmlformats.org/markup-compatibility/2006" xmlns:mv="urn:schemas-microsoft-com:mac:vml" xmlns:p="http://schemas.openxmlformats.org/presentationml/2006/main" xmlns:c="http://schemas.openxmlformats.org/drawingml/2006/chart" xmlns:dgm="http://schemas.openxmlformats.org/drawingml/2006/diagram" xmlns:o="urn:schemas-microsoft-com:office:office" xmlns:v="urn:schemas-microsoft-com:vml" xmlns:pvml="urn:schemas-microsoft-com:office:powerpoint" xmlns:com="http://schemas.openxmlformats.org/drawingml/2006/compatibility" xmlns:p14="http://schemas.microsoft.com/office/powerpoint/2010/main" type="title">
+<p:sldLayout xmlns:a="http://schemas.openxmlformats.org/drawingml/2006/main" xmlns:r="http://schemas.openxmlformats.org/officeDocument/2006/relationships" xmlns:p="http://schemas.openxmlformats.org/presentationml/2006/main" type="title">
   <p:cSld name="Title slide">
     <p:spTree>
       <p:nvGrpSpPr>
-        <p:cNvPr id="9" name="Shape 9"/>
+        <p:cNvPr id="1" name="Shape 9"/>
         <p:cNvGrpSpPr/>
         <p:nvPr/>
       </p:nvGrpSpPr>
@@ -1397,7 +1551,7 @@
             </a:ln>
           </p:spPr>
           <p:txBody>
-            <a:bodyPr anchorCtr="0" anchor="ctr" bIns="91425" lIns="91425" rIns="91425" tIns="91425">
+            <a:bodyPr lIns="91425" tIns="91425" rIns="91425" bIns="91425" anchor="ctr" anchorCtr="0">
               <a:noAutofit/>
             </a:bodyPr>
             <a:lstStyle/>
@@ -1408,9 +1562,6 @@
                 </a:spcBef>
                 <a:buNone/>
               </a:pPr>
-              <a:r>
-                <a:t/>
-              </a:r>
               <a:endParaRPr/>
             </a:p>
           </p:txBody>
@@ -1437,7 +1588,7 @@
             </a:ln>
           </p:spPr>
           <p:txBody>
-            <a:bodyPr anchorCtr="0" anchor="ctr" bIns="91425" lIns="91425" rIns="91425" tIns="91425">
+            <a:bodyPr lIns="91425" tIns="91425" rIns="91425" bIns="91425" anchor="ctr" anchorCtr="0">
               <a:noAutofit/>
             </a:bodyPr>
             <a:lstStyle/>
@@ -1448,9 +1599,6 @@
                 </a:spcBef>
                 <a:buNone/>
               </a:pPr>
-              <a:r>
-                <a:t/>
-              </a:r>
               <a:endParaRPr/>
             </a:p>
           </p:txBody>
@@ -1477,7 +1625,7 @@
             </a:ln>
           </p:spPr>
           <p:txBody>
-            <a:bodyPr anchorCtr="0" anchor="ctr" bIns="91425" lIns="91425" rIns="91425" tIns="91425">
+            <a:bodyPr lIns="91425" tIns="91425" rIns="91425" bIns="91425" anchor="ctr" anchorCtr="0">
               <a:noAutofit/>
             </a:bodyPr>
             <a:lstStyle/>
@@ -1488,9 +1636,6 @@
                 </a:spcBef>
                 <a:buNone/>
               </a:pPr>
-              <a:r>
-                <a:t/>
-              </a:r>
               <a:endParaRPr/>
             </a:p>
           </p:txBody>
@@ -1499,7 +1644,9 @@
       <p:sp>
         <p:nvSpPr>
           <p:cNvPr id="14" name="Shape 14"/>
-          <p:cNvSpPr txBox="1"/>
+          <p:cNvSpPr txBox="1">
+            <a:spLocks noGrp="1"/>
+          </p:cNvSpPr>
           <p:nvPr>
             <p:ph type="ctrTitle"/>
           </p:nvPr>
@@ -1514,7 +1661,7 @@
           </a:prstGeom>
         </p:spPr>
         <p:txBody>
-          <a:bodyPr anchorCtr="0" anchor="b" bIns="91425" lIns="91425" rIns="91425" tIns="91425"/>
+          <a:bodyPr lIns="91425" tIns="91425" rIns="91425" bIns="91425" anchor="b" anchorCtr="0"/>
           <a:lstStyle>
             <a:lvl1pPr lvl="0" algn="ctr">
               <a:spcBef>
@@ -1580,15 +1727,19 @@
               <a:defRPr sz="4800"/>
             </a:lvl9pPr>
           </a:lstStyle>
-          <a:p/>
+          <a:p>
+            <a:endParaRPr/>
+          </a:p>
         </p:txBody>
       </p:sp>
       <p:sp>
         <p:nvSpPr>
           <p:cNvPr id="15" name="Shape 15"/>
-          <p:cNvSpPr txBox="1"/>
+          <p:cNvSpPr txBox="1">
+            <a:spLocks noGrp="1"/>
+          </p:cNvSpPr>
           <p:nvPr>
-            <p:ph idx="1" type="subTitle"/>
+            <p:ph type="subTitle" idx="1"/>
           </p:nvPr>
         </p:nvSpPr>
         <p:spPr>
@@ -1601,7 +1752,7 @@
           </a:prstGeom>
         </p:spPr>
         <p:txBody>
-          <a:bodyPr anchorCtr="0" anchor="t" bIns="91425" lIns="91425" rIns="91425" tIns="91425"/>
+          <a:bodyPr lIns="91425" tIns="91425" rIns="91425" bIns="91425" anchor="t" anchorCtr="0"/>
           <a:lstStyle>
             <a:lvl1pPr lvl="0" algn="ctr">
               <a:lnSpc>
@@ -1730,15 +1881,19 @@
               <a:defRPr sz="2100"/>
             </a:lvl9pPr>
           </a:lstStyle>
-          <a:p/>
+          <a:p>
+            <a:endParaRPr/>
+          </a:p>
         </p:txBody>
       </p:sp>
       <p:sp>
         <p:nvSpPr>
           <p:cNvPr id="16" name="Shape 16"/>
-          <p:cNvSpPr txBox="1"/>
+          <p:cNvSpPr txBox="1">
+            <a:spLocks noGrp="1"/>
+          </p:cNvSpPr>
           <p:nvPr>
-            <p:ph idx="12" type="sldNum"/>
+            <p:ph type="sldNum" idx="12"/>
           </p:nvPr>
         </p:nvSpPr>
         <p:spPr>
@@ -1751,7 +1906,7 @@
           </a:prstGeom>
         </p:spPr>
         <p:txBody>
-          <a:bodyPr anchorCtr="0" anchor="ctr" bIns="91425" lIns="91425" rIns="91425" tIns="91425">
+          <a:bodyPr lIns="91425" tIns="91425" rIns="91425" bIns="91425" anchor="ctr" anchorCtr="0">
             <a:noAutofit/>
           </a:bodyPr>
           <a:lstStyle/>
@@ -1766,6 +1921,7 @@
               <a:rPr lang="en"/>
               <a:t>‹#›</a:t>
             </a:fld>
+            <a:endParaRPr lang="en"/>
           </a:p>
         </p:txBody>
       </p:sp>
@@ -1778,11 +1934,11 @@
 </file>
 
 <file path=ppt/slideLayouts/slideLayout10.xml><?xml version="1.0" encoding="utf-8"?>
-<p:sldLayout xmlns:a="http://schemas.openxmlformats.org/drawingml/2006/main" xmlns:r="http://schemas.openxmlformats.org/officeDocument/2006/relationships" xmlns:mc="http://schemas.openxmlformats.org/markup-compatibility/2006" xmlns:mv="urn:schemas-microsoft-com:mac:vml" xmlns:p="http://schemas.openxmlformats.org/presentationml/2006/main" xmlns:c="http://schemas.openxmlformats.org/drawingml/2006/chart" xmlns:dgm="http://schemas.openxmlformats.org/drawingml/2006/diagram" xmlns:o="urn:schemas-microsoft-com:office:office" xmlns:v="urn:schemas-microsoft-com:vml" xmlns:pvml="urn:schemas-microsoft-com:office:powerpoint" xmlns:com="http://schemas.openxmlformats.org/drawingml/2006/compatibility" xmlns:p14="http://schemas.microsoft.com/office/powerpoint/2010/main">
+<p:sldLayout xmlns:a="http://schemas.openxmlformats.org/drawingml/2006/main" xmlns:r="http://schemas.openxmlformats.org/officeDocument/2006/relationships" xmlns:p="http://schemas.openxmlformats.org/presentationml/2006/main">
   <p:cSld name="Big number">
     <p:spTree>
       <p:nvGrpSpPr>
-        <p:cNvPr id="49" name="Shape 49"/>
+        <p:cNvPr id="1" name="Shape 49"/>
         <p:cNvGrpSpPr/>
         <p:nvPr/>
       </p:nvGrpSpPr>
@@ -1797,7 +1953,9 @@
       <p:sp>
         <p:nvSpPr>
           <p:cNvPr id="50" name="Shape 50"/>
-          <p:cNvSpPr txBox="1"/>
+          <p:cNvSpPr txBox="1">
+            <a:spLocks noGrp="1"/>
+          </p:cNvSpPr>
           <p:nvPr>
             <p:ph type="title"/>
           </p:nvPr>
@@ -1812,7 +1970,7 @@
           </a:prstGeom>
         </p:spPr>
         <p:txBody>
-          <a:bodyPr anchorCtr="0" anchor="b" bIns="91425" lIns="91425" rIns="91425" tIns="91425"/>
+          <a:bodyPr lIns="91425" tIns="91425" rIns="91425" bIns="91425" anchor="b" anchorCtr="0"/>
           <a:lstStyle>
             <a:lvl1pPr lvl="0" algn="ctr">
               <a:spcBef>
@@ -1878,15 +2036,19 @@
               <a:defRPr sz="12000"/>
             </a:lvl9pPr>
           </a:lstStyle>
-          <a:p/>
+          <a:p>
+            <a:endParaRPr/>
+          </a:p>
         </p:txBody>
       </p:sp>
       <p:sp>
         <p:nvSpPr>
           <p:cNvPr id="51" name="Shape 51"/>
-          <p:cNvSpPr txBox="1"/>
+          <p:cNvSpPr txBox="1">
+            <a:spLocks noGrp="1"/>
+          </p:cNvSpPr>
           <p:nvPr>
-            <p:ph idx="1" type="body"/>
+            <p:ph type="body" idx="1"/>
           </p:nvPr>
         </p:nvSpPr>
         <p:spPr>
@@ -1899,7 +2061,7 @@
           </a:prstGeom>
         </p:spPr>
         <p:txBody>
-          <a:bodyPr anchorCtr="0" anchor="t" bIns="91425" lIns="91425" rIns="91425" tIns="91425"/>
+          <a:bodyPr lIns="91425" tIns="91425" rIns="91425" bIns="91425" anchor="t" anchorCtr="0"/>
           <a:lstStyle>
             <a:lvl1pPr lvl="0" algn="ctr">
               <a:spcBef>
@@ -1956,15 +2118,19 @@
               <a:defRPr/>
             </a:lvl9pPr>
           </a:lstStyle>
-          <a:p/>
+          <a:p>
+            <a:endParaRPr/>
+          </a:p>
         </p:txBody>
       </p:sp>
       <p:sp>
         <p:nvSpPr>
           <p:cNvPr id="52" name="Shape 52"/>
-          <p:cNvSpPr txBox="1"/>
+          <p:cNvSpPr txBox="1">
+            <a:spLocks noGrp="1"/>
+          </p:cNvSpPr>
           <p:nvPr>
-            <p:ph idx="12" type="sldNum"/>
+            <p:ph type="sldNum" idx="12"/>
           </p:nvPr>
         </p:nvSpPr>
         <p:spPr>
@@ -1977,7 +2143,7 @@
           </a:prstGeom>
         </p:spPr>
         <p:txBody>
-          <a:bodyPr anchorCtr="0" anchor="ctr" bIns="91425" lIns="91425" rIns="91425" tIns="91425">
+          <a:bodyPr lIns="91425" tIns="91425" rIns="91425" bIns="91425" anchor="ctr" anchorCtr="0">
             <a:noAutofit/>
           </a:bodyPr>
           <a:lstStyle/>
@@ -1992,6 +2158,7 @@
               <a:rPr lang="en"/>
               <a:t>‹#›</a:t>
             </a:fld>
+            <a:endParaRPr lang="en"/>
           </a:p>
         </p:txBody>
       </p:sp>
@@ -2004,11 +2171,11 @@
 </file>
 
 <file path=ppt/slideLayouts/slideLayout11.xml><?xml version="1.0" encoding="utf-8"?>
-<p:sldLayout xmlns:a="http://schemas.openxmlformats.org/drawingml/2006/main" xmlns:r="http://schemas.openxmlformats.org/officeDocument/2006/relationships" xmlns:mc="http://schemas.openxmlformats.org/markup-compatibility/2006" xmlns:mv="urn:schemas-microsoft-com:mac:vml" xmlns:p="http://schemas.openxmlformats.org/presentationml/2006/main" xmlns:c="http://schemas.openxmlformats.org/drawingml/2006/chart" xmlns:dgm="http://schemas.openxmlformats.org/drawingml/2006/diagram" xmlns:o="urn:schemas-microsoft-com:office:office" xmlns:v="urn:schemas-microsoft-com:vml" xmlns:pvml="urn:schemas-microsoft-com:office:powerpoint" xmlns:com="http://schemas.openxmlformats.org/drawingml/2006/compatibility" xmlns:p14="http://schemas.microsoft.com/office/powerpoint/2010/main" type="blank">
+<p:sldLayout xmlns:a="http://schemas.openxmlformats.org/drawingml/2006/main" xmlns:r="http://schemas.openxmlformats.org/officeDocument/2006/relationships" xmlns:p="http://schemas.openxmlformats.org/presentationml/2006/main" type="blank">
   <p:cSld name="Blank">
     <p:spTree>
       <p:nvGrpSpPr>
-        <p:cNvPr id="53" name="Shape 53"/>
+        <p:cNvPr id="1" name="Shape 53"/>
         <p:cNvGrpSpPr/>
         <p:nvPr/>
       </p:nvGrpSpPr>
@@ -2023,9 +2190,11 @@
       <p:sp>
         <p:nvSpPr>
           <p:cNvPr id="54" name="Shape 54"/>
-          <p:cNvSpPr txBox="1"/>
+          <p:cNvSpPr txBox="1">
+            <a:spLocks noGrp="1"/>
+          </p:cNvSpPr>
           <p:nvPr>
-            <p:ph idx="12" type="sldNum"/>
+            <p:ph type="sldNum" idx="12"/>
           </p:nvPr>
         </p:nvSpPr>
         <p:spPr>
@@ -2038,7 +2207,7 @@
           </a:prstGeom>
         </p:spPr>
         <p:txBody>
-          <a:bodyPr anchorCtr="0" anchor="ctr" bIns="91425" lIns="91425" rIns="91425" tIns="91425">
+          <a:bodyPr lIns="91425" tIns="91425" rIns="91425" bIns="91425" anchor="ctr" anchorCtr="0">
             <a:noAutofit/>
           </a:bodyPr>
           <a:lstStyle/>
@@ -2053,6 +2222,7 @@
               <a:rPr lang="en"/>
               <a:t>‹#›</a:t>
             </a:fld>
+            <a:endParaRPr lang="en"/>
           </a:p>
         </p:txBody>
       </p:sp>
@@ -2065,11 +2235,11 @@
 </file>
 
 <file path=ppt/slideLayouts/slideLayout2.xml><?xml version="1.0" encoding="utf-8"?>
-<p:sldLayout xmlns:a="http://schemas.openxmlformats.org/drawingml/2006/main" xmlns:r="http://schemas.openxmlformats.org/officeDocument/2006/relationships" xmlns:mc="http://schemas.openxmlformats.org/markup-compatibility/2006" xmlns:mv="urn:schemas-microsoft-com:mac:vml" xmlns:p="http://schemas.openxmlformats.org/presentationml/2006/main" xmlns:c="http://schemas.openxmlformats.org/drawingml/2006/chart" xmlns:dgm="http://schemas.openxmlformats.org/drawingml/2006/diagram" xmlns:o="urn:schemas-microsoft-com:office:office" xmlns:v="urn:schemas-microsoft-com:vml" xmlns:pvml="urn:schemas-microsoft-com:office:powerpoint" xmlns:com="http://schemas.openxmlformats.org/drawingml/2006/compatibility" xmlns:p14="http://schemas.microsoft.com/office/powerpoint/2010/main" type="secHead">
+<p:sldLayout xmlns:a="http://schemas.openxmlformats.org/drawingml/2006/main" xmlns:r="http://schemas.openxmlformats.org/officeDocument/2006/relationships" xmlns:p="http://schemas.openxmlformats.org/presentationml/2006/main" type="secHead">
   <p:cSld name="Section header">
     <p:spTree>
       <p:nvGrpSpPr>
-        <p:cNvPr id="17" name="Shape 17"/>
+        <p:cNvPr id="1" name="Shape 17"/>
         <p:cNvGrpSpPr/>
         <p:nvPr/>
       </p:nvGrpSpPr>
@@ -2084,7 +2254,9 @@
       <p:sp>
         <p:nvSpPr>
           <p:cNvPr id="18" name="Shape 18"/>
-          <p:cNvSpPr txBox="1"/>
+          <p:cNvSpPr txBox="1">
+            <a:spLocks noGrp="1"/>
+          </p:cNvSpPr>
           <p:nvPr>
             <p:ph type="title"/>
           </p:nvPr>
@@ -2099,7 +2271,7 @@
           </a:prstGeom>
         </p:spPr>
         <p:txBody>
-          <a:bodyPr anchorCtr="0" anchor="ctr" bIns="91425" lIns="91425" rIns="91425" tIns="91425"/>
+          <a:bodyPr lIns="91425" tIns="91425" rIns="91425" bIns="91425" anchor="ctr" anchorCtr="0"/>
           <a:lstStyle>
             <a:lvl1pPr lvl="0" algn="ctr">
               <a:spcBef>
@@ -2165,15 +2337,19 @@
               <a:defRPr sz="3600"/>
             </a:lvl9pPr>
           </a:lstStyle>
-          <a:p/>
+          <a:p>
+            <a:endParaRPr/>
+          </a:p>
         </p:txBody>
       </p:sp>
       <p:sp>
         <p:nvSpPr>
           <p:cNvPr id="19" name="Shape 19"/>
-          <p:cNvSpPr txBox="1"/>
+          <p:cNvSpPr txBox="1">
+            <a:spLocks noGrp="1"/>
+          </p:cNvSpPr>
           <p:nvPr>
-            <p:ph idx="12" type="sldNum"/>
+            <p:ph type="sldNum" idx="12"/>
           </p:nvPr>
         </p:nvSpPr>
         <p:spPr>
@@ -2186,7 +2362,7 @@
           </a:prstGeom>
         </p:spPr>
         <p:txBody>
-          <a:bodyPr anchorCtr="0" anchor="ctr" bIns="91425" lIns="91425" rIns="91425" tIns="91425">
+          <a:bodyPr lIns="91425" tIns="91425" rIns="91425" bIns="91425" anchor="ctr" anchorCtr="0">
             <a:noAutofit/>
           </a:bodyPr>
           <a:lstStyle/>
@@ -2201,6 +2377,7 @@
               <a:rPr lang="en"/>
               <a:t>‹#›</a:t>
             </a:fld>
+            <a:endParaRPr lang="en"/>
           </a:p>
         </p:txBody>
       </p:sp>
@@ -2213,11 +2390,11 @@
 </file>
 
 <file path=ppt/slideLayouts/slideLayout3.xml><?xml version="1.0" encoding="utf-8"?>
-<p:sldLayout xmlns:a="http://schemas.openxmlformats.org/drawingml/2006/main" xmlns:r="http://schemas.openxmlformats.org/officeDocument/2006/relationships" xmlns:mc="http://schemas.openxmlformats.org/markup-compatibility/2006" xmlns:mv="urn:schemas-microsoft-com:mac:vml" xmlns:p="http://schemas.openxmlformats.org/presentationml/2006/main" xmlns:c="http://schemas.openxmlformats.org/drawingml/2006/chart" xmlns:dgm="http://schemas.openxmlformats.org/drawingml/2006/diagram" xmlns:o="urn:schemas-microsoft-com:office:office" xmlns:v="urn:schemas-microsoft-com:vml" xmlns:pvml="urn:schemas-microsoft-com:office:powerpoint" xmlns:com="http://schemas.openxmlformats.org/drawingml/2006/compatibility" xmlns:p14="http://schemas.microsoft.com/office/powerpoint/2010/main" type="tx">
+<p:sldLayout xmlns:a="http://schemas.openxmlformats.org/drawingml/2006/main" xmlns:r="http://schemas.openxmlformats.org/officeDocument/2006/relationships" xmlns:p="http://schemas.openxmlformats.org/presentationml/2006/main" type="tx">
   <p:cSld name="Title and body">
     <p:spTree>
       <p:nvGrpSpPr>
-        <p:cNvPr id="20" name="Shape 20"/>
+        <p:cNvPr id="1" name="Shape 20"/>
         <p:cNvGrpSpPr/>
         <p:nvPr/>
       </p:nvGrpSpPr>
@@ -2232,7 +2409,9 @@
       <p:sp>
         <p:nvSpPr>
           <p:cNvPr id="21" name="Shape 21"/>
-          <p:cNvSpPr txBox="1"/>
+          <p:cNvSpPr txBox="1">
+            <a:spLocks noGrp="1"/>
+          </p:cNvSpPr>
           <p:nvPr>
             <p:ph type="title"/>
           </p:nvPr>
@@ -2247,7 +2426,7 @@
           </a:prstGeom>
         </p:spPr>
         <p:txBody>
-          <a:bodyPr anchorCtr="0" anchor="t" bIns="91425" lIns="91425" rIns="91425" tIns="91425"/>
+          <a:bodyPr lIns="91425" tIns="91425" rIns="91425" bIns="91425" anchor="t" anchorCtr="0"/>
           <a:lstStyle>
             <a:lvl1pPr lvl="0">
               <a:spcBef>
@@ -2304,15 +2483,19 @@
               <a:defRPr/>
             </a:lvl9pPr>
           </a:lstStyle>
-          <a:p/>
+          <a:p>
+            <a:endParaRPr/>
+          </a:p>
         </p:txBody>
       </p:sp>
       <p:sp>
         <p:nvSpPr>
           <p:cNvPr id="22" name="Shape 22"/>
-          <p:cNvSpPr txBox="1"/>
+          <p:cNvSpPr txBox="1">
+            <a:spLocks noGrp="1"/>
+          </p:cNvSpPr>
           <p:nvPr>
-            <p:ph idx="1" type="body"/>
+            <p:ph type="body" idx="1"/>
           </p:nvPr>
         </p:nvSpPr>
         <p:spPr>
@@ -2325,7 +2508,7 @@
           </a:prstGeom>
         </p:spPr>
         <p:txBody>
-          <a:bodyPr anchorCtr="0" anchor="t" bIns="91425" lIns="91425" rIns="91425" tIns="91425"/>
+          <a:bodyPr lIns="91425" tIns="91425" rIns="91425" bIns="91425" anchor="t" anchorCtr="0"/>
           <a:lstStyle>
             <a:lvl1pPr lvl="0">
               <a:spcBef>
@@ -2382,15 +2565,19 @@
               <a:defRPr/>
             </a:lvl9pPr>
           </a:lstStyle>
-          <a:p/>
+          <a:p>
+            <a:endParaRPr/>
+          </a:p>
         </p:txBody>
       </p:sp>
       <p:sp>
         <p:nvSpPr>
           <p:cNvPr id="23" name="Shape 23"/>
-          <p:cNvSpPr txBox="1"/>
+          <p:cNvSpPr txBox="1">
+            <a:spLocks noGrp="1"/>
+          </p:cNvSpPr>
           <p:nvPr>
-            <p:ph idx="12" type="sldNum"/>
+            <p:ph type="sldNum" idx="12"/>
           </p:nvPr>
         </p:nvSpPr>
         <p:spPr>
@@ -2403,7 +2590,7 @@
           </a:prstGeom>
         </p:spPr>
         <p:txBody>
-          <a:bodyPr anchorCtr="0" anchor="ctr" bIns="91425" lIns="91425" rIns="91425" tIns="91425">
+          <a:bodyPr lIns="91425" tIns="91425" rIns="91425" bIns="91425" anchor="ctr" anchorCtr="0">
             <a:noAutofit/>
           </a:bodyPr>
           <a:lstStyle/>
@@ -2418,6 +2605,7 @@
               <a:rPr lang="en"/>
               <a:t>‹#›</a:t>
             </a:fld>
+            <a:endParaRPr lang="en"/>
           </a:p>
         </p:txBody>
       </p:sp>
@@ -2430,11 +2618,11 @@
 </file>
 
 <file path=ppt/slideLayouts/slideLayout4.xml><?xml version="1.0" encoding="utf-8"?>
-<p:sldLayout xmlns:a="http://schemas.openxmlformats.org/drawingml/2006/main" xmlns:r="http://schemas.openxmlformats.org/officeDocument/2006/relationships" xmlns:mc="http://schemas.openxmlformats.org/markup-compatibility/2006" xmlns:mv="urn:schemas-microsoft-com:mac:vml" xmlns:p="http://schemas.openxmlformats.org/presentationml/2006/main" xmlns:c="http://schemas.openxmlformats.org/drawingml/2006/chart" xmlns:dgm="http://schemas.openxmlformats.org/drawingml/2006/diagram" xmlns:o="urn:schemas-microsoft-com:office:office" xmlns:v="urn:schemas-microsoft-com:vml" xmlns:pvml="urn:schemas-microsoft-com:office:powerpoint" xmlns:com="http://schemas.openxmlformats.org/drawingml/2006/compatibility" xmlns:p14="http://schemas.microsoft.com/office/powerpoint/2010/main" type="twoColTx">
+<p:sldLayout xmlns:a="http://schemas.openxmlformats.org/drawingml/2006/main" xmlns:r="http://schemas.openxmlformats.org/officeDocument/2006/relationships" xmlns:p="http://schemas.openxmlformats.org/presentationml/2006/main" type="twoColTx">
   <p:cSld name="Title and two columns">
     <p:spTree>
       <p:nvGrpSpPr>
-        <p:cNvPr id="24" name="Shape 24"/>
+        <p:cNvPr id="1" name="Shape 24"/>
         <p:cNvGrpSpPr/>
         <p:nvPr/>
       </p:nvGrpSpPr>
@@ -2449,7 +2637,9 @@
       <p:sp>
         <p:nvSpPr>
           <p:cNvPr id="25" name="Shape 25"/>
-          <p:cNvSpPr txBox="1"/>
+          <p:cNvSpPr txBox="1">
+            <a:spLocks noGrp="1"/>
+          </p:cNvSpPr>
           <p:nvPr>
             <p:ph type="title"/>
           </p:nvPr>
@@ -2464,7 +2654,7 @@
           </a:prstGeom>
         </p:spPr>
         <p:txBody>
-          <a:bodyPr anchorCtr="0" anchor="t" bIns="91425" lIns="91425" rIns="91425" tIns="91425"/>
+          <a:bodyPr lIns="91425" tIns="91425" rIns="91425" bIns="91425" anchor="t" anchorCtr="0"/>
           <a:lstStyle>
             <a:lvl1pPr lvl="0">
               <a:spcBef>
@@ -2521,15 +2711,19 @@
               <a:defRPr/>
             </a:lvl9pPr>
           </a:lstStyle>
-          <a:p/>
+          <a:p>
+            <a:endParaRPr/>
+          </a:p>
         </p:txBody>
       </p:sp>
       <p:sp>
         <p:nvSpPr>
           <p:cNvPr id="26" name="Shape 26"/>
-          <p:cNvSpPr txBox="1"/>
+          <p:cNvSpPr txBox="1">
+            <a:spLocks noGrp="1"/>
+          </p:cNvSpPr>
           <p:nvPr>
-            <p:ph idx="1" type="body"/>
+            <p:ph type="body" idx="1"/>
           </p:nvPr>
         </p:nvSpPr>
         <p:spPr>
@@ -2542,7 +2736,7 @@
           </a:prstGeom>
         </p:spPr>
         <p:txBody>
-          <a:bodyPr anchorCtr="0" anchor="t" bIns="91425" lIns="91425" rIns="91425" tIns="91425"/>
+          <a:bodyPr lIns="91425" tIns="91425" rIns="91425" bIns="91425" anchor="t" anchorCtr="0"/>
           <a:lstStyle>
             <a:lvl1pPr lvl="0">
               <a:spcBef>
@@ -2608,15 +2802,19 @@
               <a:defRPr sz="1200"/>
             </a:lvl9pPr>
           </a:lstStyle>
-          <a:p/>
+          <a:p>
+            <a:endParaRPr/>
+          </a:p>
         </p:txBody>
       </p:sp>
       <p:sp>
         <p:nvSpPr>
           <p:cNvPr id="27" name="Shape 27"/>
-          <p:cNvSpPr txBox="1"/>
+          <p:cNvSpPr txBox="1">
+            <a:spLocks noGrp="1"/>
+          </p:cNvSpPr>
           <p:nvPr>
-            <p:ph idx="2" type="body"/>
+            <p:ph type="body" idx="2"/>
           </p:nvPr>
         </p:nvSpPr>
         <p:spPr>
@@ -2629,7 +2827,7 @@
           </a:prstGeom>
         </p:spPr>
         <p:txBody>
-          <a:bodyPr anchorCtr="0" anchor="t" bIns="91425" lIns="91425" rIns="91425" tIns="91425"/>
+          <a:bodyPr lIns="91425" tIns="91425" rIns="91425" bIns="91425" anchor="t" anchorCtr="0"/>
           <a:lstStyle>
             <a:lvl1pPr lvl="0">
               <a:spcBef>
@@ -2695,15 +2893,19 @@
               <a:defRPr sz="1200"/>
             </a:lvl9pPr>
           </a:lstStyle>
-          <a:p/>
+          <a:p>
+            <a:endParaRPr/>
+          </a:p>
         </p:txBody>
       </p:sp>
       <p:sp>
         <p:nvSpPr>
           <p:cNvPr id="28" name="Shape 28"/>
-          <p:cNvSpPr txBox="1"/>
+          <p:cNvSpPr txBox="1">
+            <a:spLocks noGrp="1"/>
+          </p:cNvSpPr>
           <p:nvPr>
-            <p:ph idx="12" type="sldNum"/>
+            <p:ph type="sldNum" idx="12"/>
           </p:nvPr>
         </p:nvSpPr>
         <p:spPr>
@@ -2716,7 +2918,7 @@
           </a:prstGeom>
         </p:spPr>
         <p:txBody>
-          <a:bodyPr anchorCtr="0" anchor="ctr" bIns="91425" lIns="91425" rIns="91425" tIns="91425">
+          <a:bodyPr lIns="91425" tIns="91425" rIns="91425" bIns="91425" anchor="ctr" anchorCtr="0">
             <a:noAutofit/>
           </a:bodyPr>
           <a:lstStyle/>
@@ -2731,6 +2933,7 @@
               <a:rPr lang="en"/>
               <a:t>‹#›</a:t>
             </a:fld>
+            <a:endParaRPr lang="en"/>
           </a:p>
         </p:txBody>
       </p:sp>
@@ -2743,11 +2946,11 @@
 </file>
 
 <file path=ppt/slideLayouts/slideLayout5.xml><?xml version="1.0" encoding="utf-8"?>
-<p:sldLayout xmlns:a="http://schemas.openxmlformats.org/drawingml/2006/main" xmlns:r="http://schemas.openxmlformats.org/officeDocument/2006/relationships" xmlns:mc="http://schemas.openxmlformats.org/markup-compatibility/2006" xmlns:mv="urn:schemas-microsoft-com:mac:vml" xmlns:p="http://schemas.openxmlformats.org/presentationml/2006/main" xmlns:c="http://schemas.openxmlformats.org/drawingml/2006/chart" xmlns:dgm="http://schemas.openxmlformats.org/drawingml/2006/diagram" xmlns:o="urn:schemas-microsoft-com:office:office" xmlns:v="urn:schemas-microsoft-com:vml" xmlns:pvml="urn:schemas-microsoft-com:office:powerpoint" xmlns:com="http://schemas.openxmlformats.org/drawingml/2006/compatibility" xmlns:p14="http://schemas.microsoft.com/office/powerpoint/2010/main" type="titleOnly">
+<p:sldLayout xmlns:a="http://schemas.openxmlformats.org/drawingml/2006/main" xmlns:r="http://schemas.openxmlformats.org/officeDocument/2006/relationships" xmlns:p="http://schemas.openxmlformats.org/presentationml/2006/main" type="titleOnly">
   <p:cSld name="Title only">
     <p:spTree>
       <p:nvGrpSpPr>
-        <p:cNvPr id="29" name="Shape 29"/>
+        <p:cNvPr id="1" name="Shape 29"/>
         <p:cNvGrpSpPr/>
         <p:nvPr/>
       </p:nvGrpSpPr>
@@ -2762,7 +2965,9 @@
       <p:sp>
         <p:nvSpPr>
           <p:cNvPr id="30" name="Shape 30"/>
-          <p:cNvSpPr txBox="1"/>
+          <p:cNvSpPr txBox="1">
+            <a:spLocks noGrp="1"/>
+          </p:cNvSpPr>
           <p:nvPr>
             <p:ph type="title"/>
           </p:nvPr>
@@ -2777,7 +2982,7 @@
           </a:prstGeom>
         </p:spPr>
         <p:txBody>
-          <a:bodyPr anchorCtr="0" anchor="t" bIns="91425" lIns="91425" rIns="91425" tIns="91425"/>
+          <a:bodyPr lIns="91425" tIns="91425" rIns="91425" bIns="91425" anchor="t" anchorCtr="0"/>
           <a:lstStyle>
             <a:lvl1pPr lvl="0">
               <a:spcBef>
@@ -2834,15 +3039,19 @@
               <a:defRPr/>
             </a:lvl9pPr>
           </a:lstStyle>
-          <a:p/>
+          <a:p>
+            <a:endParaRPr/>
+          </a:p>
         </p:txBody>
       </p:sp>
       <p:sp>
         <p:nvSpPr>
           <p:cNvPr id="31" name="Shape 31"/>
-          <p:cNvSpPr txBox="1"/>
+          <p:cNvSpPr txBox="1">
+            <a:spLocks noGrp="1"/>
+          </p:cNvSpPr>
           <p:nvPr>
-            <p:ph idx="12" type="sldNum"/>
+            <p:ph type="sldNum" idx="12"/>
           </p:nvPr>
         </p:nvSpPr>
         <p:spPr>
@@ -2855,7 +3064,7 @@
           </a:prstGeom>
         </p:spPr>
         <p:txBody>
-          <a:bodyPr anchorCtr="0" anchor="ctr" bIns="91425" lIns="91425" rIns="91425" tIns="91425">
+          <a:bodyPr lIns="91425" tIns="91425" rIns="91425" bIns="91425" anchor="ctr" anchorCtr="0">
             <a:noAutofit/>
           </a:bodyPr>
           <a:lstStyle/>
@@ -2870,6 +3079,7 @@
               <a:rPr lang="en"/>
               <a:t>‹#›</a:t>
             </a:fld>
+            <a:endParaRPr lang="en"/>
           </a:p>
         </p:txBody>
       </p:sp>
@@ -2882,11 +3092,11 @@
 </file>
 
 <file path=ppt/slideLayouts/slideLayout6.xml><?xml version="1.0" encoding="utf-8"?>
-<p:sldLayout xmlns:a="http://schemas.openxmlformats.org/drawingml/2006/main" xmlns:r="http://schemas.openxmlformats.org/officeDocument/2006/relationships" xmlns:mc="http://schemas.openxmlformats.org/markup-compatibility/2006" xmlns:mv="urn:schemas-microsoft-com:mac:vml" xmlns:p="http://schemas.openxmlformats.org/presentationml/2006/main" xmlns:c="http://schemas.openxmlformats.org/drawingml/2006/chart" xmlns:dgm="http://schemas.openxmlformats.org/drawingml/2006/diagram" xmlns:o="urn:schemas-microsoft-com:office:office" xmlns:v="urn:schemas-microsoft-com:vml" xmlns:pvml="urn:schemas-microsoft-com:office:powerpoint" xmlns:com="http://schemas.openxmlformats.org/drawingml/2006/compatibility" xmlns:p14="http://schemas.microsoft.com/office/powerpoint/2010/main">
+<p:sldLayout xmlns:a="http://schemas.openxmlformats.org/drawingml/2006/main" xmlns:r="http://schemas.openxmlformats.org/officeDocument/2006/relationships" xmlns:p="http://schemas.openxmlformats.org/presentationml/2006/main">
   <p:cSld name="One column text">
     <p:spTree>
       <p:nvGrpSpPr>
-        <p:cNvPr id="32" name="Shape 32"/>
+        <p:cNvPr id="1" name="Shape 32"/>
         <p:cNvGrpSpPr/>
         <p:nvPr/>
       </p:nvGrpSpPr>
@@ -2901,7 +3111,9 @@
       <p:sp>
         <p:nvSpPr>
           <p:cNvPr id="33" name="Shape 33"/>
-          <p:cNvSpPr txBox="1"/>
+          <p:cNvSpPr txBox="1">
+            <a:spLocks noGrp="1"/>
+          </p:cNvSpPr>
           <p:nvPr>
             <p:ph type="title"/>
           </p:nvPr>
@@ -2916,7 +3128,7 @@
           </a:prstGeom>
         </p:spPr>
         <p:txBody>
-          <a:bodyPr anchorCtr="0" anchor="b" bIns="91425" lIns="91425" rIns="91425" tIns="91425"/>
+          <a:bodyPr lIns="91425" tIns="91425" rIns="91425" bIns="91425" anchor="b" anchorCtr="0"/>
           <a:lstStyle>
             <a:lvl1pPr lvl="0">
               <a:spcBef>
@@ -2982,15 +3194,19 @@
               <a:defRPr sz="2400"/>
             </a:lvl9pPr>
           </a:lstStyle>
-          <a:p/>
+          <a:p>
+            <a:endParaRPr/>
+          </a:p>
         </p:txBody>
       </p:sp>
       <p:sp>
         <p:nvSpPr>
           <p:cNvPr id="34" name="Shape 34"/>
-          <p:cNvSpPr txBox="1"/>
+          <p:cNvSpPr txBox="1">
+            <a:spLocks noGrp="1"/>
+          </p:cNvSpPr>
           <p:nvPr>
-            <p:ph idx="1" type="body"/>
+            <p:ph type="body" idx="1"/>
           </p:nvPr>
         </p:nvSpPr>
         <p:spPr>
@@ -3003,7 +3219,7 @@
           </a:prstGeom>
         </p:spPr>
         <p:txBody>
-          <a:bodyPr anchorCtr="0" anchor="t" bIns="91425" lIns="91425" rIns="91425" tIns="91425"/>
+          <a:bodyPr lIns="91425" tIns="91425" rIns="91425" bIns="91425" anchor="t" anchorCtr="0"/>
           <a:lstStyle>
             <a:lvl1pPr lvl="0">
               <a:spcBef>
@@ -3069,15 +3285,19 @@
               <a:defRPr sz="1200"/>
             </a:lvl9pPr>
           </a:lstStyle>
-          <a:p/>
+          <a:p>
+            <a:endParaRPr/>
+          </a:p>
         </p:txBody>
       </p:sp>
       <p:sp>
         <p:nvSpPr>
           <p:cNvPr id="35" name="Shape 35"/>
-          <p:cNvSpPr txBox="1"/>
+          <p:cNvSpPr txBox="1">
+            <a:spLocks noGrp="1"/>
+          </p:cNvSpPr>
           <p:nvPr>
-            <p:ph idx="12" type="sldNum"/>
+            <p:ph type="sldNum" idx="12"/>
           </p:nvPr>
         </p:nvSpPr>
         <p:spPr>
@@ -3090,7 +3310,7 @@
           </a:prstGeom>
         </p:spPr>
         <p:txBody>
-          <a:bodyPr anchorCtr="0" anchor="ctr" bIns="91425" lIns="91425" rIns="91425" tIns="91425">
+          <a:bodyPr lIns="91425" tIns="91425" rIns="91425" bIns="91425" anchor="ctr" anchorCtr="0">
             <a:noAutofit/>
           </a:bodyPr>
           <a:lstStyle/>
@@ -3105,6 +3325,7 @@
               <a:rPr lang="en"/>
               <a:t>‹#›</a:t>
             </a:fld>
+            <a:endParaRPr lang="en"/>
           </a:p>
         </p:txBody>
       </p:sp>
@@ -3117,18 +3338,19 @@
 </file>
 
 <file path=ppt/slideLayouts/slideLayout7.xml><?xml version="1.0" encoding="utf-8"?>
-<p:sldLayout xmlns:a="http://schemas.openxmlformats.org/drawingml/2006/main" xmlns:r="http://schemas.openxmlformats.org/officeDocument/2006/relationships" xmlns:mc="http://schemas.openxmlformats.org/markup-compatibility/2006" xmlns:mv="urn:schemas-microsoft-com:mac:vml" xmlns:p="http://schemas.openxmlformats.org/presentationml/2006/main" xmlns:c="http://schemas.openxmlformats.org/drawingml/2006/chart" xmlns:dgm="http://schemas.openxmlformats.org/drawingml/2006/diagram" xmlns:o="urn:schemas-microsoft-com:office:office" xmlns:v="urn:schemas-microsoft-com:vml" xmlns:pvml="urn:schemas-microsoft-com:office:powerpoint" xmlns:com="http://schemas.openxmlformats.org/drawingml/2006/compatibility" xmlns:p14="http://schemas.microsoft.com/office/powerpoint/2010/main">
+<p:sldLayout xmlns:a="http://schemas.openxmlformats.org/drawingml/2006/main" xmlns:r="http://schemas.openxmlformats.org/officeDocument/2006/relationships" xmlns:p="http://schemas.openxmlformats.org/presentationml/2006/main">
   <p:cSld name="Main point">
     <p:bg>
       <p:bgPr>
         <a:solidFill>
           <a:schemeClr val="lt2"/>
         </a:solidFill>
+        <a:effectLst/>
       </p:bgPr>
     </p:bg>
     <p:spTree>
       <p:nvGrpSpPr>
-        <p:cNvPr id="36" name="Shape 36"/>
+        <p:cNvPr id="1" name="Shape 36"/>
         <p:cNvGrpSpPr/>
         <p:nvPr/>
       </p:nvGrpSpPr>
@@ -3143,7 +3365,9 @@
       <p:sp>
         <p:nvSpPr>
           <p:cNvPr id="37" name="Shape 37"/>
-          <p:cNvSpPr txBox="1"/>
+          <p:cNvSpPr txBox="1">
+            <a:spLocks noGrp="1"/>
+          </p:cNvSpPr>
           <p:nvPr>
             <p:ph type="title"/>
           </p:nvPr>
@@ -3158,7 +3382,7 @@
           </a:prstGeom>
         </p:spPr>
         <p:txBody>
-          <a:bodyPr anchorCtr="0" anchor="ctr" bIns="91425" lIns="91425" rIns="91425" tIns="91425"/>
+          <a:bodyPr lIns="91425" tIns="91425" rIns="91425" bIns="91425" anchor="ctr" anchorCtr="0"/>
           <a:lstStyle>
             <a:lvl1pPr lvl="0">
               <a:spcBef>
@@ -3287,15 +3511,19 @@
               </a:defRPr>
             </a:lvl9pPr>
           </a:lstStyle>
-          <a:p/>
+          <a:p>
+            <a:endParaRPr/>
+          </a:p>
         </p:txBody>
       </p:sp>
       <p:sp>
         <p:nvSpPr>
           <p:cNvPr id="38" name="Shape 38"/>
-          <p:cNvSpPr txBox="1"/>
+          <p:cNvSpPr txBox="1">
+            <a:spLocks noGrp="1"/>
+          </p:cNvSpPr>
           <p:nvPr>
-            <p:ph idx="12" type="sldNum"/>
+            <p:ph type="sldNum" idx="12"/>
           </p:nvPr>
         </p:nvSpPr>
         <p:spPr>
@@ -3308,7 +3536,7 @@
           </a:prstGeom>
         </p:spPr>
         <p:txBody>
-          <a:bodyPr anchorCtr="0" anchor="ctr" bIns="91425" lIns="91425" rIns="91425" tIns="91425">
+          <a:bodyPr lIns="91425" tIns="91425" rIns="91425" bIns="91425" anchor="ctr" anchorCtr="0">
             <a:noAutofit/>
           </a:bodyPr>
           <a:lstStyle/>
@@ -3327,6 +3555,11 @@
               </a:rPr>
               <a:t>‹#›</a:t>
             </a:fld>
+            <a:endParaRPr lang="en">
+              <a:solidFill>
+                <a:schemeClr val="lt1"/>
+              </a:solidFill>
+            </a:endParaRPr>
           </a:p>
         </p:txBody>
       </p:sp>
@@ -3339,11 +3572,11 @@
 </file>
 
 <file path=ppt/slideLayouts/slideLayout8.xml><?xml version="1.0" encoding="utf-8"?>
-<p:sldLayout xmlns:a="http://schemas.openxmlformats.org/drawingml/2006/main" xmlns:r="http://schemas.openxmlformats.org/officeDocument/2006/relationships" xmlns:mc="http://schemas.openxmlformats.org/markup-compatibility/2006" xmlns:mv="urn:schemas-microsoft-com:mac:vml" xmlns:p="http://schemas.openxmlformats.org/presentationml/2006/main" xmlns:c="http://schemas.openxmlformats.org/drawingml/2006/chart" xmlns:dgm="http://schemas.openxmlformats.org/drawingml/2006/diagram" xmlns:o="urn:schemas-microsoft-com:office:office" xmlns:v="urn:schemas-microsoft-com:vml" xmlns:pvml="urn:schemas-microsoft-com:office:powerpoint" xmlns:com="http://schemas.openxmlformats.org/drawingml/2006/compatibility" xmlns:p14="http://schemas.microsoft.com/office/powerpoint/2010/main">
+<p:sldLayout xmlns:a="http://schemas.openxmlformats.org/drawingml/2006/main" xmlns:r="http://schemas.openxmlformats.org/officeDocument/2006/relationships" xmlns:p="http://schemas.openxmlformats.org/presentationml/2006/main">
   <p:cSld name="Section title and description">
     <p:spTree>
       <p:nvGrpSpPr>
-        <p:cNvPr id="39" name="Shape 39"/>
+        <p:cNvPr id="1" name="Shape 39"/>
         <p:cNvGrpSpPr/>
         <p:nvPr/>
       </p:nvGrpSpPr>
@@ -3377,7 +3610,7 @@
           </a:ln>
         </p:spPr>
         <p:txBody>
-          <a:bodyPr anchorCtr="0" anchor="ctr" bIns="91425" lIns="91425" rIns="91425" tIns="91425">
+          <a:bodyPr lIns="91425" tIns="91425" rIns="91425" bIns="91425" anchor="ctr" anchorCtr="0">
             <a:noAutofit/>
           </a:bodyPr>
           <a:lstStyle/>
@@ -3388,9 +3621,6 @@
               </a:spcBef>
               <a:buNone/>
             </a:pPr>
-            <a:r>
-              <a:t/>
-            </a:r>
             <a:endParaRPr/>
           </a:p>
         </p:txBody>
@@ -3410,21 +3640,23 @@
             <a:avLst/>
           </a:prstGeom>
           <a:noFill/>
-          <a:ln cap="flat" cmpd="sng" w="19050">
+          <a:ln w="19050" cap="flat" cmpd="sng">
             <a:solidFill>
               <a:schemeClr val="lt1"/>
             </a:solidFill>
             <a:prstDash val="solid"/>
             <a:round/>
-            <a:headEnd len="med" w="med" type="none"/>
-            <a:tailEnd len="med" w="med" type="none"/>
+            <a:headEnd type="none" w="med" len="med"/>
+            <a:tailEnd type="none" w="med" len="med"/>
           </a:ln>
         </p:spPr>
       </p:cxnSp>
       <p:sp>
         <p:nvSpPr>
           <p:cNvPr id="42" name="Shape 42"/>
-          <p:cNvSpPr txBox="1"/>
+          <p:cNvSpPr txBox="1">
+            <a:spLocks noGrp="1"/>
+          </p:cNvSpPr>
           <p:nvPr>
             <p:ph type="title"/>
           </p:nvPr>
@@ -3439,7 +3671,7 @@
           </a:prstGeom>
         </p:spPr>
         <p:txBody>
-          <a:bodyPr anchorCtr="0" anchor="b" bIns="91425" lIns="91425" rIns="91425" tIns="91425"/>
+          <a:bodyPr lIns="91425" tIns="91425" rIns="91425" bIns="91425" anchor="b" anchorCtr="0"/>
           <a:lstStyle>
             <a:lvl1pPr lvl="0" algn="ctr">
               <a:spcBef>
@@ -3505,15 +3737,19 @@
               <a:defRPr sz="4200"/>
             </a:lvl9pPr>
           </a:lstStyle>
-          <a:p/>
+          <a:p>
+            <a:endParaRPr/>
+          </a:p>
         </p:txBody>
       </p:sp>
       <p:sp>
         <p:nvSpPr>
           <p:cNvPr id="43" name="Shape 43"/>
-          <p:cNvSpPr txBox="1"/>
+          <p:cNvSpPr txBox="1">
+            <a:spLocks noGrp="1"/>
+          </p:cNvSpPr>
           <p:nvPr>
-            <p:ph idx="1" type="subTitle"/>
+            <p:ph type="subTitle" idx="1"/>
           </p:nvPr>
         </p:nvSpPr>
         <p:spPr>
@@ -3526,7 +3762,7 @@
           </a:prstGeom>
         </p:spPr>
         <p:txBody>
-          <a:bodyPr anchorCtr="0" anchor="t" bIns="91425" lIns="91425" rIns="91425" tIns="91425"/>
+          <a:bodyPr lIns="91425" tIns="91425" rIns="91425" bIns="91425" anchor="t" anchorCtr="0"/>
           <a:lstStyle>
             <a:lvl1pPr lvl="0" algn="ctr">
               <a:lnSpc>
@@ -3718,15 +3954,19 @@
               </a:defRPr>
             </a:lvl9pPr>
           </a:lstStyle>
-          <a:p/>
+          <a:p>
+            <a:endParaRPr/>
+          </a:p>
         </p:txBody>
       </p:sp>
       <p:sp>
         <p:nvSpPr>
           <p:cNvPr id="44" name="Shape 44"/>
-          <p:cNvSpPr txBox="1"/>
+          <p:cNvSpPr txBox="1">
+            <a:spLocks noGrp="1"/>
+          </p:cNvSpPr>
           <p:nvPr>
-            <p:ph idx="2" type="body"/>
+            <p:ph type="body" idx="2"/>
           </p:nvPr>
         </p:nvSpPr>
         <p:spPr>
@@ -3739,7 +3979,7 @@
           </a:prstGeom>
         </p:spPr>
         <p:txBody>
-          <a:bodyPr anchorCtr="0" anchor="ctr" bIns="91425" lIns="91425" rIns="91425" tIns="91425"/>
+          <a:bodyPr lIns="91425" tIns="91425" rIns="91425" bIns="91425" anchor="ctr" anchorCtr="0"/>
           <a:lstStyle>
             <a:lvl1pPr lvl="0">
               <a:spcBef>
@@ -3859,15 +4099,19 @@
               </a:defRPr>
             </a:lvl9pPr>
           </a:lstStyle>
-          <a:p/>
+          <a:p>
+            <a:endParaRPr/>
+          </a:p>
         </p:txBody>
       </p:sp>
       <p:sp>
         <p:nvSpPr>
           <p:cNvPr id="45" name="Shape 45"/>
-          <p:cNvSpPr txBox="1"/>
+          <p:cNvSpPr txBox="1">
+            <a:spLocks noGrp="1"/>
+          </p:cNvSpPr>
           <p:nvPr>
-            <p:ph idx="12" type="sldNum"/>
+            <p:ph type="sldNum" idx="12"/>
           </p:nvPr>
         </p:nvSpPr>
         <p:spPr>
@@ -3880,7 +4124,7 @@
           </a:prstGeom>
         </p:spPr>
         <p:txBody>
-          <a:bodyPr anchorCtr="0" anchor="ctr" bIns="91425" lIns="91425" rIns="91425" tIns="91425">
+          <a:bodyPr lIns="91425" tIns="91425" rIns="91425" bIns="91425" anchor="ctr" anchorCtr="0">
             <a:noAutofit/>
           </a:bodyPr>
           <a:lstStyle/>
@@ -3899,6 +4143,11 @@
               </a:rPr>
               <a:t>‹#›</a:t>
             </a:fld>
+            <a:endParaRPr lang="en">
+              <a:solidFill>
+                <a:schemeClr val="lt1"/>
+              </a:solidFill>
+            </a:endParaRPr>
           </a:p>
         </p:txBody>
       </p:sp>
@@ -3911,11 +4160,11 @@
 </file>
 
 <file path=ppt/slideLayouts/slideLayout9.xml><?xml version="1.0" encoding="utf-8"?>
-<p:sldLayout xmlns:a="http://schemas.openxmlformats.org/drawingml/2006/main" xmlns:r="http://schemas.openxmlformats.org/officeDocument/2006/relationships" xmlns:mc="http://schemas.openxmlformats.org/markup-compatibility/2006" xmlns:mv="urn:schemas-microsoft-com:mac:vml" xmlns:p="http://schemas.openxmlformats.org/presentationml/2006/main" xmlns:c="http://schemas.openxmlformats.org/drawingml/2006/chart" xmlns:dgm="http://schemas.openxmlformats.org/drawingml/2006/diagram" xmlns:o="urn:schemas-microsoft-com:office:office" xmlns:v="urn:schemas-microsoft-com:vml" xmlns:pvml="urn:schemas-microsoft-com:office:powerpoint" xmlns:com="http://schemas.openxmlformats.org/drawingml/2006/compatibility" xmlns:p14="http://schemas.microsoft.com/office/powerpoint/2010/main">
+<p:sldLayout xmlns:a="http://schemas.openxmlformats.org/drawingml/2006/main" xmlns:r="http://schemas.openxmlformats.org/officeDocument/2006/relationships" xmlns:p="http://schemas.openxmlformats.org/presentationml/2006/main">
   <p:cSld name="Caption">
     <p:spTree>
       <p:nvGrpSpPr>
-        <p:cNvPr id="46" name="Shape 46"/>
+        <p:cNvPr id="1" name="Shape 46"/>
         <p:cNvGrpSpPr/>
         <p:nvPr/>
       </p:nvGrpSpPr>
@@ -3930,9 +4179,11 @@
       <p:sp>
         <p:nvSpPr>
           <p:cNvPr id="47" name="Shape 47"/>
-          <p:cNvSpPr txBox="1"/>
+          <p:cNvSpPr txBox="1">
+            <a:spLocks noGrp="1"/>
+          </p:cNvSpPr>
           <p:nvPr>
-            <p:ph idx="1" type="body"/>
+            <p:ph type="body" idx="1"/>
           </p:nvPr>
         </p:nvSpPr>
         <p:spPr>
@@ -3945,7 +4196,7 @@
           </a:prstGeom>
         </p:spPr>
         <p:txBody>
-          <a:bodyPr anchorCtr="0" anchor="ctr" bIns="91425" lIns="91425" rIns="91425" tIns="91425"/>
+          <a:bodyPr lIns="91425" tIns="91425" rIns="91425" bIns="91425" anchor="ctr" anchorCtr="0"/>
           <a:lstStyle>
             <a:lvl1pPr lvl="0">
               <a:lnSpc>
@@ -3974,15 +4225,19 @@
               </a:defRPr>
             </a:lvl1pPr>
           </a:lstStyle>
-          <a:p/>
+          <a:p>
+            <a:endParaRPr/>
+          </a:p>
         </p:txBody>
       </p:sp>
       <p:sp>
         <p:nvSpPr>
           <p:cNvPr id="48" name="Shape 48"/>
-          <p:cNvSpPr txBox="1"/>
+          <p:cNvSpPr txBox="1">
+            <a:spLocks noGrp="1"/>
+          </p:cNvSpPr>
           <p:nvPr>
-            <p:ph idx="12" type="sldNum"/>
+            <p:ph type="sldNum" idx="12"/>
           </p:nvPr>
         </p:nvSpPr>
         <p:spPr>
@@ -3995,7 +4250,7 @@
           </a:prstGeom>
         </p:spPr>
         <p:txBody>
-          <a:bodyPr anchorCtr="0" anchor="ctr" bIns="91425" lIns="91425" rIns="91425" tIns="91425">
+          <a:bodyPr lIns="91425" tIns="91425" rIns="91425" bIns="91425" anchor="ctr" anchorCtr="0">
             <a:noAutofit/>
           </a:bodyPr>
           <a:lstStyle/>
@@ -4010,6 +4265,7 @@
               <a:rPr lang="en"/>
               <a:t>‹#›</a:t>
             </a:fld>
+            <a:endParaRPr lang="en"/>
           </a:p>
         </p:txBody>
       </p:sp>
@@ -4022,18 +4278,19 @@
 </file>
 
 <file path=ppt/slideMasters/slideMaster1.xml><?xml version="1.0" encoding="utf-8"?>
-<p:sldMaster xmlns:a="http://schemas.openxmlformats.org/drawingml/2006/main" xmlns:r="http://schemas.openxmlformats.org/officeDocument/2006/relationships" xmlns:mc="http://schemas.openxmlformats.org/markup-compatibility/2006" xmlns:mv="urn:schemas-microsoft-com:mac:vml" xmlns:p="http://schemas.openxmlformats.org/presentationml/2006/main" xmlns:c="http://schemas.openxmlformats.org/drawingml/2006/chart" xmlns:dgm="http://schemas.openxmlformats.org/drawingml/2006/diagram" xmlns:o="urn:schemas-microsoft-com:office:office" xmlns:v="urn:schemas-microsoft-com:vml" xmlns:pvml="urn:schemas-microsoft-com:office:powerpoint" xmlns:com="http://schemas.openxmlformats.org/drawingml/2006/compatibility" xmlns:p14="http://schemas.microsoft.com/office/powerpoint/2010/main">
+<p:sldMaster xmlns:a="http://schemas.openxmlformats.org/drawingml/2006/main" xmlns:r="http://schemas.openxmlformats.org/officeDocument/2006/relationships" xmlns:p="http://schemas.openxmlformats.org/presentationml/2006/main">
   <p:cSld>
     <p:bg>
       <p:bgPr>
         <a:solidFill>
           <a:schemeClr val="lt1"/>
         </a:solidFill>
+        <a:effectLst/>
       </p:bgPr>
     </p:bg>
     <p:spTree>
       <p:nvGrpSpPr>
-        <p:cNvPr id="5" name="Shape 5"/>
+        <p:cNvPr id="1" name="Shape 5"/>
         <p:cNvGrpSpPr/>
         <p:nvPr/>
       </p:nvGrpSpPr>
@@ -4048,7 +4305,9 @@
       <p:sp>
         <p:nvSpPr>
           <p:cNvPr id="6" name="Shape 6"/>
-          <p:cNvSpPr txBox="1"/>
+          <p:cNvSpPr txBox="1">
+            <a:spLocks noGrp="1"/>
+          </p:cNvSpPr>
           <p:nvPr>
             <p:ph type="title"/>
           </p:nvPr>
@@ -4067,7 +4326,7 @@
           </a:ln>
         </p:spPr>
         <p:txBody>
-          <a:bodyPr anchorCtr="0" anchor="t" bIns="91425" lIns="91425" rIns="91425" tIns="91425"/>
+          <a:bodyPr lIns="91425" tIns="91425" rIns="91425" bIns="91425" anchor="t" anchorCtr="0"/>
           <a:lstStyle>
             <a:lvl1pPr lvl="0">
               <a:spcBef>
@@ -4250,15 +4509,19 @@
               </a:defRPr>
             </a:lvl9pPr>
           </a:lstStyle>
-          <a:p/>
+          <a:p>
+            <a:endParaRPr/>
+          </a:p>
         </p:txBody>
       </p:sp>
       <p:sp>
         <p:nvSpPr>
           <p:cNvPr id="7" name="Shape 7"/>
-          <p:cNvSpPr txBox="1"/>
+          <p:cNvSpPr txBox="1">
+            <a:spLocks noGrp="1"/>
+          </p:cNvSpPr>
           <p:nvPr>
-            <p:ph idx="1" type="body"/>
+            <p:ph type="body" idx="1"/>
           </p:nvPr>
         </p:nvSpPr>
         <p:spPr>
@@ -4275,7 +4538,7 @@
           </a:ln>
         </p:spPr>
         <p:txBody>
-          <a:bodyPr anchorCtr="0" anchor="t" bIns="91425" lIns="91425" rIns="91425" tIns="91425"/>
+          <a:bodyPr lIns="91425" tIns="91425" rIns="91425" bIns="91425" anchor="t" anchorCtr="0"/>
           <a:lstStyle>
             <a:lvl1pPr lvl="0">
               <a:lnSpc>
@@ -4495,15 +4758,19 @@
               </a:defRPr>
             </a:lvl9pPr>
           </a:lstStyle>
-          <a:p/>
+          <a:p>
+            <a:endParaRPr/>
+          </a:p>
         </p:txBody>
       </p:sp>
       <p:sp>
         <p:nvSpPr>
           <p:cNvPr id="8" name="Shape 8"/>
-          <p:cNvSpPr txBox="1"/>
+          <p:cNvSpPr txBox="1">
+            <a:spLocks noGrp="1"/>
+          </p:cNvSpPr>
           <p:nvPr>
-            <p:ph idx="12" type="sldNum"/>
+            <p:ph type="sldNum" idx="12"/>
           </p:nvPr>
         </p:nvSpPr>
         <p:spPr>
@@ -4520,7 +4787,7 @@
           </a:ln>
         </p:spPr>
         <p:txBody>
-          <a:bodyPr anchorCtr="0" anchor="ctr" bIns="91425" lIns="91425" rIns="91425" tIns="91425">
+          <a:bodyPr lIns="91425" tIns="91425" rIns="91425" bIns="91425" anchor="ctr" anchorCtr="0">
             <a:noAutofit/>
           </a:bodyPr>
           <a:lstStyle/>
@@ -4543,12 +4810,21 @@
               </a:rPr>
               <a:t>‹#›</a:t>
             </a:fld>
+            <a:endParaRPr lang="en" sz="1000">
+              <a:solidFill>
+                <a:schemeClr val="accent3"/>
+              </a:solidFill>
+              <a:latin typeface="Average"/>
+              <a:ea typeface="Average"/>
+              <a:cs typeface="Average"/>
+              <a:sym typeface="Average"/>
+            </a:endParaRPr>
           </a:p>
         </p:txBody>
       </p:sp>
     </p:spTree>
   </p:cSld>
-  <p:clrMap accent1="accent1" accent2="accent2" accent3="accent3" accent4="accent4" accent5="accent5" accent6="accent6" bg1="lt1" bg2="dk2" tx1="dk1" tx2="lt2" folHlink="folHlink" hlink="hlink"/>
+  <p:clrMap bg1="lt1" tx1="dk1" bg2="dk2" tx2="lt2" accent1="accent1" accent2="accent2" accent3="accent3" accent4="accent4" accent5="accent5" accent6="accent6" hlink="hlink" folHlink="folHlink"/>
   <p:sldLayoutIdLst>
     <p:sldLayoutId id="2147483648" r:id="rId1"/>
     <p:sldLayoutId id="2147483649" r:id="rId2"/>
@@ -4562,10 +4838,10 @@
     <p:sldLayoutId id="2147483657" r:id="rId10"/>
     <p:sldLayoutId id="2147483658" r:id="rId11"/>
   </p:sldLayoutIdLst>
-  <p:hf dt="0" ftr="0" hdr="0" sldNum="0"/>
+  <p:hf sldNum="0" hdr="0" ftr="0" dt="0"/>
   <p:txStyles>
     <p:titleStyle>
-      <a:defPPr lvl="0" marR="0" rtl="0" algn="l">
+      <a:defPPr marR="0" lvl="0" algn="l" rtl="0">
         <a:lnSpc>
           <a:spcPct val="100000"/>
         </a:lnSpc>
@@ -4576,7 +4852,7 @@
           <a:spcPts val="0"/>
         </a:spcAft>
       </a:defPPr>
-      <a:lvl1pPr lvl="0" marR="0" rtl="0" algn="l">
+      <a:lvl1pPr marR="0" lvl="0" algn="l" rtl="0">
         <a:lnSpc>
           <a:spcPct val="100000"/>
         </a:lnSpc>
@@ -4587,7 +4863,7 @@
           <a:spcPts val="0"/>
         </a:spcAft>
         <a:buNone/>
-        <a:defRPr b="0" i="0" sz="1400" u="none" cap="none" strike="noStrike">
+        <a:defRPr sz="1400" b="0" i="0" u="none" strike="noStrike" cap="none">
           <a:solidFill>
             <a:srgbClr val="000000"/>
           </a:solidFill>
@@ -4599,7 +4875,7 @@
       </a:lvl1pPr>
     </p:titleStyle>
     <p:bodyStyle>
-      <a:defPPr lvl="0" marR="0" rtl="0" algn="l">
+      <a:defPPr marR="0" lvl="0" algn="l" rtl="0">
         <a:lnSpc>
           <a:spcPct val="100000"/>
         </a:lnSpc>
@@ -4610,7 +4886,7 @@
           <a:spcPts val="0"/>
         </a:spcAft>
       </a:defPPr>
-      <a:lvl1pPr lvl="0" marR="0" rtl="0" algn="l">
+      <a:lvl1pPr marR="0" lvl="0" algn="l" rtl="0">
         <a:lnSpc>
           <a:spcPct val="100000"/>
         </a:lnSpc>
@@ -4621,7 +4897,7 @@
           <a:spcPts val="0"/>
         </a:spcAft>
         <a:buNone/>
-        <a:defRPr b="0" i="0" sz="1400" u="none" cap="none" strike="noStrike">
+        <a:defRPr sz="1400" b="0" i="0" u="none" strike="noStrike" cap="none">
           <a:solidFill>
             <a:srgbClr val="000000"/>
           </a:solidFill>
@@ -4631,7 +4907,7 @@
           <a:sym typeface="Arial"/>
         </a:defRPr>
       </a:lvl1pPr>
-      <a:lvl2pPr lvl="1" marR="0" rtl="0" algn="l">
+      <a:lvl2pPr marR="0" lvl="1" algn="l" rtl="0">
         <a:lnSpc>
           <a:spcPct val="100000"/>
         </a:lnSpc>
@@ -4642,7 +4918,7 @@
           <a:spcPts val="0"/>
         </a:spcAft>
         <a:buNone/>
-        <a:defRPr b="0" i="0" sz="1400" u="none" cap="none" strike="noStrike">
+        <a:defRPr sz="1400" b="0" i="0" u="none" strike="noStrike" cap="none">
           <a:solidFill>
             <a:srgbClr val="000000"/>
           </a:solidFill>
@@ -4652,7 +4928,7 @@
           <a:sym typeface="Arial"/>
         </a:defRPr>
       </a:lvl2pPr>
-      <a:lvl3pPr lvl="2" marR="0" rtl="0" algn="l">
+      <a:lvl3pPr marR="0" lvl="2" algn="l" rtl="0">
         <a:lnSpc>
           <a:spcPct val="100000"/>
         </a:lnSpc>
@@ -4663,7 +4939,7 @@
           <a:spcPts val="0"/>
         </a:spcAft>
         <a:buNone/>
-        <a:defRPr b="0" i="0" sz="1400" u="none" cap="none" strike="noStrike">
+        <a:defRPr sz="1400" b="0" i="0" u="none" strike="noStrike" cap="none">
           <a:solidFill>
             <a:srgbClr val="000000"/>
           </a:solidFill>
@@ -4673,7 +4949,7 @@
           <a:sym typeface="Arial"/>
         </a:defRPr>
       </a:lvl3pPr>
-      <a:lvl4pPr lvl="3" marR="0" rtl="0" algn="l">
+      <a:lvl4pPr marR="0" lvl="3" algn="l" rtl="0">
         <a:lnSpc>
           <a:spcPct val="100000"/>
         </a:lnSpc>
@@ -4684,7 +4960,7 @@
           <a:spcPts val="0"/>
         </a:spcAft>
         <a:buNone/>
-        <a:defRPr b="0" i="0" sz="1400" u="none" cap="none" strike="noStrike">
+        <a:defRPr sz="1400" b="0" i="0" u="none" strike="noStrike" cap="none">
           <a:solidFill>
             <a:srgbClr val="000000"/>
           </a:solidFill>
@@ -4694,7 +4970,7 @@
           <a:sym typeface="Arial"/>
         </a:defRPr>
       </a:lvl4pPr>
-      <a:lvl5pPr lvl="4" marR="0" rtl="0" algn="l">
+      <a:lvl5pPr marR="0" lvl="4" algn="l" rtl="0">
         <a:lnSpc>
           <a:spcPct val="100000"/>
         </a:lnSpc>
@@ -4705,7 +4981,7 @@
           <a:spcPts val="0"/>
         </a:spcAft>
         <a:buNone/>
-        <a:defRPr b="0" i="0" sz="1400" u="none" cap="none" strike="noStrike">
+        <a:defRPr sz="1400" b="0" i="0" u="none" strike="noStrike" cap="none">
           <a:solidFill>
             <a:srgbClr val="000000"/>
           </a:solidFill>
@@ -4715,7 +4991,7 @@
           <a:sym typeface="Arial"/>
         </a:defRPr>
       </a:lvl5pPr>
-      <a:lvl6pPr lvl="5" marR="0" rtl="0" algn="l">
+      <a:lvl6pPr marR="0" lvl="5" algn="l" rtl="0">
         <a:lnSpc>
           <a:spcPct val="100000"/>
         </a:lnSpc>
@@ -4726,7 +5002,7 @@
           <a:spcPts val="0"/>
         </a:spcAft>
         <a:buNone/>
-        <a:defRPr b="0" i="0" sz="1400" u="none" cap="none" strike="noStrike">
+        <a:defRPr sz="1400" b="0" i="0" u="none" strike="noStrike" cap="none">
           <a:solidFill>
             <a:srgbClr val="000000"/>
           </a:solidFill>
@@ -4736,7 +5012,7 @@
           <a:sym typeface="Arial"/>
         </a:defRPr>
       </a:lvl6pPr>
-      <a:lvl7pPr lvl="6" marR="0" rtl="0" algn="l">
+      <a:lvl7pPr marR="0" lvl="6" algn="l" rtl="0">
         <a:lnSpc>
           <a:spcPct val="100000"/>
         </a:lnSpc>
@@ -4747,7 +5023,7 @@
           <a:spcPts val="0"/>
         </a:spcAft>
         <a:buNone/>
-        <a:defRPr b="0" i="0" sz="1400" u="none" cap="none" strike="noStrike">
+        <a:defRPr sz="1400" b="0" i="0" u="none" strike="noStrike" cap="none">
           <a:solidFill>
             <a:srgbClr val="000000"/>
           </a:solidFill>
@@ -4757,7 +5033,7 @@
           <a:sym typeface="Arial"/>
         </a:defRPr>
       </a:lvl7pPr>
-      <a:lvl8pPr lvl="7" marR="0" rtl="0" algn="l">
+      <a:lvl8pPr marR="0" lvl="7" algn="l" rtl="0">
         <a:lnSpc>
           <a:spcPct val="100000"/>
         </a:lnSpc>
@@ -4768,7 +5044,7 @@
           <a:spcPts val="0"/>
         </a:spcAft>
         <a:buNone/>
-        <a:defRPr b="0" i="0" sz="1400" u="none" cap="none" strike="noStrike">
+        <a:defRPr sz="1400" b="0" i="0" u="none" strike="noStrike" cap="none">
           <a:solidFill>
             <a:srgbClr val="000000"/>
           </a:solidFill>
@@ -4778,7 +5054,7 @@
           <a:sym typeface="Arial"/>
         </a:defRPr>
       </a:lvl8pPr>
-      <a:lvl9pPr lvl="8" marR="0" rtl="0" algn="l">
+      <a:lvl9pPr marR="0" lvl="8" algn="l" rtl="0">
         <a:lnSpc>
           <a:spcPct val="100000"/>
         </a:lnSpc>
@@ -4789,7 +5065,7 @@
           <a:spcPts val="0"/>
         </a:spcAft>
         <a:buNone/>
-        <a:defRPr b="0" i="0" sz="1400" u="none" cap="none" strike="noStrike">
+        <a:defRPr sz="1400" b="0" i="0" u="none" strike="noStrike" cap="none">
           <a:solidFill>
             <a:srgbClr val="000000"/>
           </a:solidFill>
@@ -4801,7 +5077,7 @@
       </a:lvl9pPr>
     </p:bodyStyle>
     <p:otherStyle>
-      <a:defPPr lvl="0" marR="0" rtl="0" algn="l">
+      <a:defPPr marR="0" lvl="0" algn="l" rtl="0">
         <a:lnSpc>
           <a:spcPct val="100000"/>
         </a:lnSpc>
@@ -4812,7 +5088,7 @@
           <a:spcPts val="0"/>
         </a:spcAft>
       </a:defPPr>
-      <a:lvl1pPr lvl="0" marR="0" rtl="0" algn="l">
+      <a:lvl1pPr marR="0" lvl="0" algn="l" rtl="0">
         <a:lnSpc>
           <a:spcPct val="100000"/>
         </a:lnSpc>
@@ -4823,7 +5099,7 @@
           <a:spcPts val="0"/>
         </a:spcAft>
         <a:buNone/>
-        <a:defRPr b="0" i="0" sz="1400" u="none" cap="none" strike="noStrike">
+        <a:defRPr sz="1400" b="0" i="0" u="none" strike="noStrike" cap="none">
           <a:solidFill>
             <a:srgbClr val="000000"/>
           </a:solidFill>
@@ -4833,7 +5109,7 @@
           <a:sym typeface="Arial"/>
         </a:defRPr>
       </a:lvl1pPr>
-      <a:lvl2pPr lvl="1" marR="0" rtl="0" algn="l">
+      <a:lvl2pPr marR="0" lvl="1" algn="l" rtl="0">
         <a:lnSpc>
           <a:spcPct val="100000"/>
         </a:lnSpc>
@@ -4844,7 +5120,7 @@
           <a:spcPts val="0"/>
         </a:spcAft>
         <a:buNone/>
-        <a:defRPr b="0" i="0" sz="1400" u="none" cap="none" strike="noStrike">
+        <a:defRPr sz="1400" b="0" i="0" u="none" strike="noStrike" cap="none">
           <a:solidFill>
             <a:srgbClr val="000000"/>
           </a:solidFill>
@@ -4854,7 +5130,7 @@
           <a:sym typeface="Arial"/>
         </a:defRPr>
       </a:lvl2pPr>
-      <a:lvl3pPr lvl="2" marR="0" rtl="0" algn="l">
+      <a:lvl3pPr marR="0" lvl="2" algn="l" rtl="0">
         <a:lnSpc>
           <a:spcPct val="100000"/>
         </a:lnSpc>
@@ -4865,7 +5141,7 @@
           <a:spcPts val="0"/>
         </a:spcAft>
         <a:buNone/>
-        <a:defRPr b="0" i="0" sz="1400" u="none" cap="none" strike="noStrike">
+        <a:defRPr sz="1400" b="0" i="0" u="none" strike="noStrike" cap="none">
           <a:solidFill>
             <a:srgbClr val="000000"/>
           </a:solidFill>
@@ -4875,7 +5151,7 @@
           <a:sym typeface="Arial"/>
         </a:defRPr>
       </a:lvl3pPr>
-      <a:lvl4pPr lvl="3" marR="0" rtl="0" algn="l">
+      <a:lvl4pPr marR="0" lvl="3" algn="l" rtl="0">
         <a:lnSpc>
           <a:spcPct val="100000"/>
         </a:lnSpc>
@@ -4886,7 +5162,7 @@
           <a:spcPts val="0"/>
         </a:spcAft>
         <a:buNone/>
-        <a:defRPr b="0" i="0" sz="1400" u="none" cap="none" strike="noStrike">
+        <a:defRPr sz="1400" b="0" i="0" u="none" strike="noStrike" cap="none">
           <a:solidFill>
             <a:srgbClr val="000000"/>
           </a:solidFill>
@@ -4896,7 +5172,7 @@
           <a:sym typeface="Arial"/>
         </a:defRPr>
       </a:lvl4pPr>
-      <a:lvl5pPr lvl="4" marR="0" rtl="0" algn="l">
+      <a:lvl5pPr marR="0" lvl="4" algn="l" rtl="0">
         <a:lnSpc>
           <a:spcPct val="100000"/>
         </a:lnSpc>
@@ -4907,7 +5183,7 @@
           <a:spcPts val="0"/>
         </a:spcAft>
         <a:buNone/>
-        <a:defRPr b="0" i="0" sz="1400" u="none" cap="none" strike="noStrike">
+        <a:defRPr sz="1400" b="0" i="0" u="none" strike="noStrike" cap="none">
           <a:solidFill>
             <a:srgbClr val="000000"/>
           </a:solidFill>
@@ -4917,7 +5193,7 @@
           <a:sym typeface="Arial"/>
         </a:defRPr>
       </a:lvl5pPr>
-      <a:lvl6pPr lvl="5" marR="0" rtl="0" algn="l">
+      <a:lvl6pPr marR="0" lvl="5" algn="l" rtl="0">
         <a:lnSpc>
           <a:spcPct val="100000"/>
         </a:lnSpc>
@@ -4928,7 +5204,7 @@
           <a:spcPts val="0"/>
         </a:spcAft>
         <a:buNone/>
-        <a:defRPr b="0" i="0" sz="1400" u="none" cap="none" strike="noStrike">
+        <a:defRPr sz="1400" b="0" i="0" u="none" strike="noStrike" cap="none">
           <a:solidFill>
             <a:srgbClr val="000000"/>
           </a:solidFill>
@@ -4938,7 +5214,7 @@
           <a:sym typeface="Arial"/>
         </a:defRPr>
       </a:lvl6pPr>
-      <a:lvl7pPr lvl="6" marR="0" rtl="0" algn="l">
+      <a:lvl7pPr marR="0" lvl="6" algn="l" rtl="0">
         <a:lnSpc>
           <a:spcPct val="100000"/>
         </a:lnSpc>
@@ -4949,7 +5225,7 @@
           <a:spcPts val="0"/>
         </a:spcAft>
         <a:buNone/>
-        <a:defRPr b="0" i="0" sz="1400" u="none" cap="none" strike="noStrike">
+        <a:defRPr sz="1400" b="0" i="0" u="none" strike="noStrike" cap="none">
           <a:solidFill>
             <a:srgbClr val="000000"/>
           </a:solidFill>
@@ -4959,7 +5235,7 @@
           <a:sym typeface="Arial"/>
         </a:defRPr>
       </a:lvl7pPr>
-      <a:lvl8pPr lvl="7" marR="0" rtl="0" algn="l">
+      <a:lvl8pPr marR="0" lvl="7" algn="l" rtl="0">
         <a:lnSpc>
           <a:spcPct val="100000"/>
         </a:lnSpc>
@@ -4970,7 +5246,7 @@
           <a:spcPts val="0"/>
         </a:spcAft>
         <a:buNone/>
-        <a:defRPr b="0" i="0" sz="1400" u="none" cap="none" strike="noStrike">
+        <a:defRPr sz="1400" b="0" i="0" u="none" strike="noStrike" cap="none">
           <a:solidFill>
             <a:srgbClr val="000000"/>
           </a:solidFill>
@@ -4980,7 +5256,7 @@
           <a:sym typeface="Arial"/>
         </a:defRPr>
       </a:lvl8pPr>
-      <a:lvl9pPr lvl="8" marR="0" rtl="0" algn="l">
+      <a:lvl9pPr marR="0" lvl="8" algn="l" rtl="0">
         <a:lnSpc>
           <a:spcPct val="100000"/>
         </a:lnSpc>
@@ -4991,7 +5267,7 @@
           <a:spcPts val="0"/>
         </a:spcAft>
         <a:buNone/>
-        <a:defRPr b="0" i="0" sz="1400" u="none" cap="none" strike="noStrike">
+        <a:defRPr sz="1400" b="0" i="0" u="none" strike="noStrike" cap="none">
           <a:solidFill>
             <a:srgbClr val="000000"/>
           </a:solidFill>
@@ -5007,11 +5283,11 @@
 </file>
 
 <file path=ppt/slides/slide1.xml><?xml version="1.0" encoding="utf-8"?>
-<p:sld xmlns:a="http://schemas.openxmlformats.org/drawingml/2006/main" xmlns:r="http://schemas.openxmlformats.org/officeDocument/2006/relationships" xmlns:mc="http://schemas.openxmlformats.org/markup-compatibility/2006" xmlns:mv="urn:schemas-microsoft-com:mac:vml" xmlns:p="http://schemas.openxmlformats.org/presentationml/2006/main" xmlns:c="http://schemas.openxmlformats.org/drawingml/2006/chart" xmlns:dgm="http://schemas.openxmlformats.org/drawingml/2006/diagram" xmlns:o="urn:schemas-microsoft-com:office:office" xmlns:v="urn:schemas-microsoft-com:vml" xmlns:pvml="urn:schemas-microsoft-com:office:powerpoint" xmlns:com="http://schemas.openxmlformats.org/drawingml/2006/compatibility" xmlns:p14="http://schemas.microsoft.com/office/powerpoint/2010/main">
+<p:sld xmlns:a="http://schemas.openxmlformats.org/drawingml/2006/main" xmlns:r="http://schemas.openxmlformats.org/officeDocument/2006/relationships" xmlns:p="http://schemas.openxmlformats.org/presentationml/2006/main">
   <p:cSld>
     <p:spTree>
       <p:nvGrpSpPr>
-        <p:cNvPr id="58" name="Shape 58"/>
+        <p:cNvPr id="1" name="Shape 58"/>
         <p:cNvGrpSpPr/>
         <p:nvPr/>
       </p:nvGrpSpPr>
@@ -5026,7 +5302,9 @@
       <p:sp>
         <p:nvSpPr>
           <p:cNvPr id="59" name="Shape 59"/>
-          <p:cNvSpPr txBox="1"/>
+          <p:cNvSpPr txBox="1">
+            <a:spLocks noGrp="1"/>
+          </p:cNvSpPr>
           <p:nvPr>
             <p:ph type="ctrTitle"/>
           </p:nvPr>
@@ -5041,7 +5319,7 @@
           </a:prstGeom>
         </p:spPr>
         <p:txBody>
-          <a:bodyPr anchorCtr="0" anchor="b" bIns="91425" lIns="91425" rIns="91425" tIns="91425">
+          <a:bodyPr lIns="91425" tIns="91425" rIns="91425" bIns="91425" anchor="b" anchorCtr="0">
             <a:noAutofit/>
           </a:bodyPr>
           <a:lstStyle/>
@@ -5062,9 +5340,11 @@
       <p:sp>
         <p:nvSpPr>
           <p:cNvPr id="60" name="Shape 60"/>
-          <p:cNvSpPr txBox="1"/>
+          <p:cNvSpPr txBox="1">
+            <a:spLocks noGrp="1"/>
+          </p:cNvSpPr>
           <p:nvPr>
-            <p:ph idx="1" type="subTitle"/>
+            <p:ph type="subTitle" idx="1"/>
           </p:nvPr>
         </p:nvSpPr>
         <p:spPr>
@@ -5077,7 +5357,7 @@
           </a:prstGeom>
         </p:spPr>
         <p:txBody>
-          <a:bodyPr anchorCtr="0" anchor="t" bIns="91425" lIns="91425" rIns="91425" tIns="91425">
+          <a:bodyPr lIns="91425" tIns="91425" rIns="91425" bIns="91425" anchor="t" anchorCtr="0">
             <a:noAutofit/>
           </a:bodyPr>
           <a:lstStyle/>
@@ -5150,16 +5430,13 @@
               </a:spcBef>
               <a:buNone/>
             </a:pPr>
-            <a:r>
-              <a:t/>
-            </a:r>
             <a:endParaRPr/>
           </a:p>
         </p:txBody>
       </p:sp>
       <p:pic>
         <p:nvPicPr>
-          <p:cNvPr descr="ncsu-logo.jpeg" id="61" name="Shape 61"/>
+          <p:cNvPr id="61" name="Shape 61" descr="ncsu-logo.jpeg"/>
           <p:cNvPicPr preferRelativeResize="0"/>
           <p:nvPr/>
         </p:nvPicPr>
@@ -5194,11 +5471,11 @@
 </file>
 
 <file path=ppt/slides/slide10.xml><?xml version="1.0" encoding="utf-8"?>
-<p:sld xmlns:a="http://schemas.openxmlformats.org/drawingml/2006/main" xmlns:r="http://schemas.openxmlformats.org/officeDocument/2006/relationships" xmlns:mc="http://schemas.openxmlformats.org/markup-compatibility/2006" xmlns:mv="urn:schemas-microsoft-com:mac:vml" xmlns:p="http://schemas.openxmlformats.org/presentationml/2006/main" xmlns:c="http://schemas.openxmlformats.org/drawingml/2006/chart" xmlns:dgm="http://schemas.openxmlformats.org/drawingml/2006/diagram" xmlns:o="urn:schemas-microsoft-com:office:office" xmlns:v="urn:schemas-microsoft-com:vml" xmlns:pvml="urn:schemas-microsoft-com:office:powerpoint" xmlns:com="http://schemas.openxmlformats.org/drawingml/2006/compatibility" xmlns:p14="http://schemas.microsoft.com/office/powerpoint/2010/main">
+<p:sld xmlns:a="http://schemas.openxmlformats.org/drawingml/2006/main" xmlns:r="http://schemas.openxmlformats.org/officeDocument/2006/relationships" xmlns:p="http://schemas.openxmlformats.org/presentationml/2006/main">
   <p:cSld>
     <p:spTree>
       <p:nvGrpSpPr>
-        <p:cNvPr id="114" name="Shape 114"/>
+        <p:cNvPr id="1" name="Shape 114"/>
         <p:cNvGrpSpPr/>
         <p:nvPr/>
       </p:nvGrpSpPr>
@@ -5213,7 +5490,9 @@
       <p:sp>
         <p:nvSpPr>
           <p:cNvPr id="115" name="Shape 115"/>
-          <p:cNvSpPr txBox="1"/>
+          <p:cNvSpPr txBox="1">
+            <a:spLocks noGrp="1"/>
+          </p:cNvSpPr>
           <p:nvPr>
             <p:ph type="title"/>
           </p:nvPr>
@@ -5228,7 +5507,7 @@
           </a:prstGeom>
         </p:spPr>
         <p:txBody>
-          <a:bodyPr anchorCtr="0" anchor="t" bIns="91425" lIns="91425" rIns="91425" tIns="91425">
+          <a:bodyPr lIns="91425" tIns="91425" rIns="91425" bIns="91425" anchor="t" anchorCtr="0">
             <a:noAutofit/>
           </a:bodyPr>
           <a:lstStyle/>
@@ -5249,9 +5528,11 @@
       <p:sp>
         <p:nvSpPr>
           <p:cNvPr id="116" name="Shape 116"/>
-          <p:cNvSpPr txBox="1"/>
+          <p:cNvSpPr txBox="1">
+            <a:spLocks noGrp="1"/>
+          </p:cNvSpPr>
           <p:nvPr>
-            <p:ph idx="1" type="body"/>
+            <p:ph type="body" idx="1"/>
           </p:nvPr>
         </p:nvSpPr>
         <p:spPr>
@@ -5264,24 +5545,21 @@
           </a:prstGeom>
         </p:spPr>
         <p:txBody>
-          <a:bodyPr anchorCtr="0" anchor="t" bIns="91425" lIns="91425" rIns="91425" tIns="91425">
+          <a:bodyPr lIns="91425" tIns="91425" rIns="91425" bIns="91425" anchor="t" anchorCtr="0">
             <a:noAutofit/>
           </a:bodyPr>
           <a:lstStyle/>
           <a:p>
-            <a:pPr lvl="0" rtl="0" algn="ctr">
+            <a:pPr lvl="0" algn="ctr" rtl="0">
               <a:spcBef>
                 <a:spcPts val="0"/>
               </a:spcBef>
               <a:buNone/>
             </a:pPr>
-            <a:r>
-              <a:t/>
-            </a:r>
             <a:endParaRPr sz="3600"/>
           </a:p>
           <a:p>
-            <a:pPr lvl="0" rtl="0" algn="ctr">
+            <a:pPr lvl="0" algn="ctr" rtl="0">
               <a:spcBef>
                 <a:spcPts val="0"/>
               </a:spcBef>
@@ -5304,9 +5582,6 @@
               </a:spcBef>
               <a:buNone/>
             </a:pPr>
-            <a:r>
-              <a:t/>
-            </a:r>
             <a:endParaRPr sz="3600"/>
           </a:p>
         </p:txBody>
@@ -5320,11 +5595,11 @@
 </file>
 
 <file path=ppt/slides/slide2.xml><?xml version="1.0" encoding="utf-8"?>
-<p:sld xmlns:a="http://schemas.openxmlformats.org/drawingml/2006/main" xmlns:r="http://schemas.openxmlformats.org/officeDocument/2006/relationships" xmlns:mc="http://schemas.openxmlformats.org/markup-compatibility/2006" xmlns:mv="urn:schemas-microsoft-com:mac:vml" xmlns:p="http://schemas.openxmlformats.org/presentationml/2006/main" xmlns:c="http://schemas.openxmlformats.org/drawingml/2006/chart" xmlns:dgm="http://schemas.openxmlformats.org/drawingml/2006/diagram" xmlns:o="urn:schemas-microsoft-com:office:office" xmlns:v="urn:schemas-microsoft-com:vml" xmlns:pvml="urn:schemas-microsoft-com:office:powerpoint" xmlns:com="http://schemas.openxmlformats.org/drawingml/2006/compatibility" xmlns:p14="http://schemas.microsoft.com/office/powerpoint/2010/main">
+<p:sld xmlns:a="http://schemas.openxmlformats.org/drawingml/2006/main" xmlns:r="http://schemas.openxmlformats.org/officeDocument/2006/relationships" xmlns:p="http://schemas.openxmlformats.org/presentationml/2006/main">
   <p:cSld>
     <p:spTree>
       <p:nvGrpSpPr>
-        <p:cNvPr id="65" name="Shape 65"/>
+        <p:cNvPr id="1" name="Shape 65"/>
         <p:cNvGrpSpPr/>
         <p:nvPr/>
       </p:nvGrpSpPr>
@@ -5339,7 +5614,9 @@
       <p:sp>
         <p:nvSpPr>
           <p:cNvPr id="66" name="Shape 66"/>
-          <p:cNvSpPr txBox="1"/>
+          <p:cNvSpPr txBox="1">
+            <a:spLocks noGrp="1"/>
+          </p:cNvSpPr>
           <p:nvPr>
             <p:ph type="title"/>
           </p:nvPr>
@@ -5354,12 +5631,12 @@
           </a:prstGeom>
         </p:spPr>
         <p:txBody>
-          <a:bodyPr anchorCtr="0" anchor="t" bIns="91425" lIns="91425" rIns="91425" tIns="91425">
+          <a:bodyPr lIns="91425" tIns="91425" rIns="91425" bIns="91425" anchor="t" anchorCtr="0">
             <a:noAutofit/>
           </a:bodyPr>
           <a:lstStyle/>
           <a:p>
-            <a:pPr indent="0" lvl="0" marL="0" rtl="0">
+            <a:pPr marL="0" lvl="0" indent="0" rtl="0">
               <a:spcBef>
                 <a:spcPts val="0"/>
               </a:spcBef>
@@ -5387,7 +5664,7 @@
       </p:sp>
       <p:pic>
         <p:nvPicPr>
-          <p:cNvPr descr="Screen Shot 2016-01-22 at 9.30.19 AM.png" id="67" name="Shape 67"/>
+          <p:cNvPr id="67" name="Shape 67" descr="Screen Shot 2016-01-22 at 9.30.19 AM.png"/>
           <p:cNvPicPr preferRelativeResize="0"/>
           <p:nvPr/>
         </p:nvPicPr>
@@ -5395,7 +5672,7 @@
           <a:blip r:embed="rId4">
             <a:alphaModFix/>
           </a:blip>
-          <a:srcRect b="-1553" l="0" r="0" t="0"/>
+          <a:srcRect b="-1553"/>
           <a:stretch/>
         </p:blipFill>
         <p:spPr>
@@ -5421,11 +5698,11 @@
 </file>
 
 <file path=ppt/slides/slide3.xml><?xml version="1.0" encoding="utf-8"?>
-<p:sld xmlns:a="http://schemas.openxmlformats.org/drawingml/2006/main" xmlns:r="http://schemas.openxmlformats.org/officeDocument/2006/relationships" xmlns:mc="http://schemas.openxmlformats.org/markup-compatibility/2006" xmlns:mv="urn:schemas-microsoft-com:mac:vml" xmlns:p="http://schemas.openxmlformats.org/presentationml/2006/main" xmlns:c="http://schemas.openxmlformats.org/drawingml/2006/chart" xmlns:dgm="http://schemas.openxmlformats.org/drawingml/2006/diagram" xmlns:o="urn:schemas-microsoft-com:office:office" xmlns:v="urn:schemas-microsoft-com:vml" xmlns:pvml="urn:schemas-microsoft-com:office:powerpoint" xmlns:com="http://schemas.openxmlformats.org/drawingml/2006/compatibility" xmlns:p14="http://schemas.microsoft.com/office/powerpoint/2010/main">
+<p:sld xmlns:a="http://schemas.openxmlformats.org/drawingml/2006/main" xmlns:r="http://schemas.openxmlformats.org/officeDocument/2006/relationships" xmlns:p="http://schemas.openxmlformats.org/presentationml/2006/main">
   <p:cSld>
     <p:spTree>
       <p:nvGrpSpPr>
-        <p:cNvPr id="71" name="Shape 71"/>
+        <p:cNvPr id="1" name="Shape 71"/>
         <p:cNvGrpSpPr/>
         <p:nvPr/>
       </p:nvGrpSpPr>
@@ -5440,7 +5717,9 @@
       <p:sp>
         <p:nvSpPr>
           <p:cNvPr id="72" name="Shape 72"/>
-          <p:cNvSpPr txBox="1"/>
+          <p:cNvSpPr txBox="1">
+            <a:spLocks noGrp="1"/>
+          </p:cNvSpPr>
           <p:nvPr>
             <p:ph type="title"/>
           </p:nvPr>
@@ -5455,7 +5734,7 @@
           </a:prstGeom>
         </p:spPr>
         <p:txBody>
-          <a:bodyPr anchorCtr="0" anchor="t" bIns="91425" lIns="91425" rIns="91425" tIns="91425">
+          <a:bodyPr lIns="91425" tIns="91425" rIns="91425" bIns="91425" anchor="t" anchorCtr="0">
             <a:noAutofit/>
           </a:bodyPr>
           <a:lstStyle/>
@@ -5467,7 +5746,7 @@
               <a:buNone/>
             </a:pPr>
             <a:r>
-              <a:rPr lang="en"/>
+              <a:rPr lang="en" dirty="0"/>
               <a:t>Learning Outcomes</a:t>
             </a:r>
           </a:p>
@@ -5476,9 +5755,11 @@
       <p:sp>
         <p:nvSpPr>
           <p:cNvPr id="73" name="Shape 73"/>
-          <p:cNvSpPr txBox="1"/>
+          <p:cNvSpPr txBox="1">
+            <a:spLocks noGrp="1"/>
+          </p:cNvSpPr>
           <p:nvPr>
-            <p:ph idx="1" type="body"/>
+            <p:ph type="body" idx="1"/>
           </p:nvPr>
         </p:nvSpPr>
         <p:spPr>
@@ -5491,115 +5772,190 @@
           </a:prstGeom>
         </p:spPr>
         <p:txBody>
-          <a:bodyPr anchorCtr="0" anchor="t" bIns="91425" lIns="91425" rIns="91425" tIns="91425">
+          <a:bodyPr lIns="91425" tIns="91425" rIns="91425" bIns="91425" anchor="t" anchorCtr="0">
             <a:noAutofit/>
           </a:bodyPr>
           <a:lstStyle/>
           <a:p>
             <a:pPr lvl="0" rtl="0">
-              <a:spcBef>
-                <a:spcPts val="0"/>
-              </a:spcBef>
-              <a:buNone/>
+              <a:lnSpc>
+                <a:spcPct val="100000"/>
+              </a:lnSpc>
+              <a:spcBef>
+                <a:spcPts val="0"/>
+              </a:spcBef>
             </a:pPr>
             <a:r>
-              <a:rPr lang="en" sz="2400"/>
+              <a:rPr lang="en" sz="2300" dirty="0">
+                <a:solidFill>
+                  <a:schemeClr val="tx1"/>
+                </a:solidFill>
+              </a:rPr>
               <a:t>After today, you should be able to: </a:t>
             </a:r>
           </a:p>
           <a:p>
-            <a:pPr indent="-381000" lvl="0" marL="457200" rtl="0">
-              <a:spcBef>
-                <a:spcPts val="0"/>
-              </a:spcBef>
-              <a:buSzPct val="100000"/>
+            <a:pPr marL="457200" lvl="0" indent="-381000" rtl="0">
+              <a:lnSpc>
+                <a:spcPct val="100000"/>
+              </a:lnSpc>
+              <a:spcBef>
+                <a:spcPts val="0"/>
+              </a:spcBef>
+              <a:buSzPct val="100000"/>
+              <a:buFont typeface="Arial"/>
+              <a:buChar char="•"/>
             </a:pPr>
             <a:r>
-              <a:rPr lang="en" sz="2400"/>
+              <a:rPr lang="en" sz="2300" dirty="0">
+                <a:solidFill>
+                  <a:schemeClr val="tx1"/>
+                </a:solidFill>
+              </a:rPr>
               <a:t>upload a dataset to Tableau</a:t>
             </a:r>
           </a:p>
           <a:p>
-            <a:pPr indent="-381000" lvl="0" marL="457200" rtl="0">
-              <a:spcBef>
-                <a:spcPts val="0"/>
-              </a:spcBef>
-              <a:buSzPct val="100000"/>
+            <a:pPr marL="457200" lvl="0" indent="-381000" rtl="0">
+              <a:lnSpc>
+                <a:spcPct val="100000"/>
+              </a:lnSpc>
+              <a:spcBef>
+                <a:spcPts val="0"/>
+              </a:spcBef>
+              <a:buSzPct val="100000"/>
+              <a:buFont typeface="Arial"/>
+              <a:buChar char="•"/>
             </a:pPr>
             <a:r>
-              <a:rPr lang="en" sz="2400"/>
+              <a:rPr lang="en" sz="2300" dirty="0">
+                <a:solidFill>
+                  <a:schemeClr val="tx1"/>
+                </a:solidFill>
+              </a:rPr>
               <a:t>learn about the visualization types available in Tableau</a:t>
             </a:r>
           </a:p>
           <a:p>
-            <a:pPr indent="-381000" lvl="0" marL="457200" rtl="0">
-              <a:spcBef>
-                <a:spcPts val="0"/>
-              </a:spcBef>
-              <a:buSzPct val="100000"/>
+            <a:pPr marL="457200" lvl="0" indent="-381000" rtl="0">
+              <a:lnSpc>
+                <a:spcPct val="100000"/>
+              </a:lnSpc>
+              <a:spcBef>
+                <a:spcPts val="0"/>
+              </a:spcBef>
+              <a:buSzPct val="100000"/>
+              <a:buFont typeface="Arial"/>
+              <a:buChar char="•"/>
             </a:pPr>
             <a:r>
-              <a:rPr lang="en" sz="2400"/>
+              <a:rPr lang="en" sz="2300" dirty="0">
+                <a:solidFill>
+                  <a:schemeClr val="tx1"/>
+                </a:solidFill>
+              </a:rPr>
               <a:t>create multiple visualizations and a dashboard</a:t>
             </a:r>
           </a:p>
           <a:p>
-            <a:pPr indent="-381000" lvl="0" marL="457200" rtl="0">
-              <a:spcBef>
-                <a:spcPts val="0"/>
-              </a:spcBef>
-              <a:buSzPct val="100000"/>
+            <a:pPr marL="457200" lvl="0" indent="-381000" rtl="0">
+              <a:lnSpc>
+                <a:spcPct val="100000"/>
+              </a:lnSpc>
+              <a:spcBef>
+                <a:spcPts val="0"/>
+              </a:spcBef>
+              <a:buSzPct val="100000"/>
+              <a:buFont typeface="Arial"/>
+              <a:buChar char="•"/>
             </a:pPr>
             <a:r>
-              <a:rPr lang="en" sz="2400"/>
+              <a:rPr lang="en" sz="2300" dirty="0">
+                <a:solidFill>
+                  <a:schemeClr val="tx1"/>
+                </a:solidFill>
+              </a:rPr>
               <a:t>publish a visualization</a:t>
             </a:r>
           </a:p>
           <a:p>
-            <a:pPr indent="-381000" lvl="0" marL="457200" rtl="0">
-              <a:spcBef>
-                <a:spcPts val="0"/>
-              </a:spcBef>
-              <a:buSzPct val="100000"/>
+            <a:pPr marL="457200" lvl="0" indent="-381000" rtl="0">
+              <a:lnSpc>
+                <a:spcPct val="100000"/>
+              </a:lnSpc>
+              <a:spcBef>
+                <a:spcPts val="0"/>
+              </a:spcBef>
+              <a:buSzPct val="100000"/>
+              <a:buFont typeface="Arial"/>
+              <a:buChar char="•"/>
             </a:pPr>
             <a:r>
-              <a:rPr lang="en" sz="2400"/>
+              <a:rPr lang="en" sz="2300" dirty="0">
+                <a:solidFill>
+                  <a:schemeClr val="tx1"/>
+                </a:solidFill>
+              </a:rPr>
               <a:t>identify a datapoint as a "Measure" or a "Dimension"</a:t>
             </a:r>
           </a:p>
           <a:p>
-            <a:pPr indent="-381000" lvl="0" marL="457200" rtl="0">
-              <a:spcBef>
-                <a:spcPts val="0"/>
-              </a:spcBef>
-              <a:buSzPct val="100000"/>
+            <a:pPr marL="457200" lvl="0" indent="-381000" rtl="0">
+              <a:lnSpc>
+                <a:spcPct val="100000"/>
+              </a:lnSpc>
+              <a:spcBef>
+                <a:spcPts val="0"/>
+              </a:spcBef>
+              <a:buSzPct val="100000"/>
+              <a:buFont typeface="Arial"/>
+              <a:buChar char="•"/>
             </a:pPr>
             <a:r>
-              <a:rPr lang="en" sz="2400"/>
+              <a:rPr lang="en" sz="2300" dirty="0">
+                <a:solidFill>
+                  <a:schemeClr val="tx1"/>
+                </a:solidFill>
+              </a:rPr>
               <a:t>use an appropriate chart for a given datatype</a:t>
             </a:r>
           </a:p>
           <a:p>
-            <a:pPr indent="-381000" lvl="0" marL="457200" rtl="0">
-              <a:spcBef>
-                <a:spcPts val="0"/>
-              </a:spcBef>
-              <a:buSzPct val="100000"/>
+            <a:pPr marL="457200" lvl="0" indent="-381000" rtl="0">
+              <a:lnSpc>
+                <a:spcPct val="100000"/>
+              </a:lnSpc>
+              <a:spcBef>
+                <a:spcPts val="0"/>
+              </a:spcBef>
+              <a:buSzPct val="100000"/>
+              <a:buFont typeface="Arial"/>
+              <a:buChar char="•"/>
             </a:pPr>
             <a:r>
-              <a:rPr lang="en" sz="2400"/>
+              <a:rPr lang="en" sz="2300" dirty="0">
+                <a:solidFill>
+                  <a:schemeClr val="tx1"/>
+                </a:solidFill>
+              </a:rPr>
               <a:t>find further assistance</a:t>
             </a:r>
           </a:p>
           <a:p>
             <a:pPr lvl="0">
-              <a:spcBef>
-                <a:spcPts val="0"/>
-              </a:spcBef>
-              <a:buNone/>
+              <a:lnSpc>
+                <a:spcPct val="100000"/>
+              </a:lnSpc>
+              <a:spcBef>
+                <a:spcPts val="0"/>
+              </a:spcBef>
             </a:pPr>
             <a:r>
-              <a:rPr lang="en" sz="3000"/>
+              <a:rPr lang="en" sz="2300" dirty="0">
+                <a:solidFill>
+                  <a:schemeClr val="tx1"/>
+                </a:solidFill>
+              </a:rPr>
               <a:t>If you have any questions, please raise your hand!</a:t>
             </a:r>
           </a:p>
@@ -5614,11 +5970,11 @@
 </file>
 
 <file path=ppt/slides/slide4.xml><?xml version="1.0" encoding="utf-8"?>
-<p:sld xmlns:a="http://schemas.openxmlformats.org/drawingml/2006/main" xmlns:r="http://schemas.openxmlformats.org/officeDocument/2006/relationships" xmlns:mc="http://schemas.openxmlformats.org/markup-compatibility/2006" xmlns:mv="urn:schemas-microsoft-com:mac:vml" xmlns:p="http://schemas.openxmlformats.org/presentationml/2006/main" xmlns:c="http://schemas.openxmlformats.org/drawingml/2006/chart" xmlns:dgm="http://schemas.openxmlformats.org/drawingml/2006/diagram" xmlns:o="urn:schemas-microsoft-com:office:office" xmlns:v="urn:schemas-microsoft-com:vml" xmlns:pvml="urn:schemas-microsoft-com:office:powerpoint" xmlns:com="http://schemas.openxmlformats.org/drawingml/2006/compatibility" xmlns:p14="http://schemas.microsoft.com/office/powerpoint/2010/main">
+<p:sld xmlns:a="http://schemas.openxmlformats.org/drawingml/2006/main" xmlns:r="http://schemas.openxmlformats.org/officeDocument/2006/relationships" xmlns:p="http://schemas.openxmlformats.org/presentationml/2006/main">
   <p:cSld>
     <p:spTree>
       <p:nvGrpSpPr>
-        <p:cNvPr id="77" name="Shape 77"/>
+        <p:cNvPr id="1" name="Shape 77"/>
         <p:cNvGrpSpPr/>
         <p:nvPr/>
       </p:nvGrpSpPr>
@@ -5633,7 +5989,9 @@
       <p:sp>
         <p:nvSpPr>
           <p:cNvPr id="78" name="Shape 78"/>
-          <p:cNvSpPr txBox="1"/>
+          <p:cNvSpPr txBox="1">
+            <a:spLocks noGrp="1"/>
+          </p:cNvSpPr>
           <p:nvPr>
             <p:ph type="title"/>
           </p:nvPr>
@@ -5648,7 +6006,7 @@
           </a:prstGeom>
         </p:spPr>
         <p:txBody>
-          <a:bodyPr anchorCtr="0" anchor="t" bIns="91425" lIns="91425" rIns="91425" tIns="91425">
+          <a:bodyPr lIns="91425" tIns="91425" rIns="91425" bIns="91425" anchor="t" anchorCtr="0">
             <a:noAutofit/>
           </a:bodyPr>
           <a:lstStyle/>
@@ -5677,9 +6035,11 @@
       <p:sp>
         <p:nvSpPr>
           <p:cNvPr id="79" name="Shape 79"/>
-          <p:cNvSpPr txBox="1"/>
+          <p:cNvSpPr txBox="1">
+            <a:spLocks noGrp="1"/>
+          </p:cNvSpPr>
           <p:nvPr>
-            <p:ph idx="1" type="body"/>
+            <p:ph type="body" idx="1"/>
           </p:nvPr>
         </p:nvSpPr>
         <p:spPr>
@@ -5692,14 +6052,14 @@
           </a:prstGeom>
         </p:spPr>
         <p:txBody>
-          <a:bodyPr anchorCtr="0" anchor="t" bIns="91425" lIns="91425" rIns="91425" tIns="91425">
+          <a:bodyPr lIns="91425" tIns="91425" rIns="91425" bIns="91425" anchor="t" anchorCtr="0">
             <a:noAutofit/>
           </a:bodyPr>
           <a:lstStyle/>
           <a:p>
-            <a:pPr lvl="0" rtl="0">
+            <a:pPr marL="342900" lvl="0" indent="-342900" rtl="0">
               <a:lnSpc>
-                <a:spcPct val="138000"/>
+                <a:spcPct val="100000"/>
               </a:lnSpc>
               <a:spcBef>
                 <a:spcPts val="1400"/>
@@ -5707,21 +6067,22 @@
               <a:spcAft>
                 <a:spcPts val="400"/>
               </a:spcAft>
-              <a:buNone/>
+              <a:buFont typeface="Arial"/>
+              <a:buChar char="•"/>
             </a:pPr>
             <a:r>
-              <a:rPr lang="en" sz="2400">
-                <a:solidFill>
-                  <a:srgbClr val="D9D9D9"/>
+              <a:rPr lang="en" sz="2300" dirty="0">
+                <a:solidFill>
+                  <a:srgbClr val="FFFFFF"/>
                 </a:solidFill>
               </a:rPr>
               <a:t>Interactive data visualization and analytics application </a:t>
             </a:r>
           </a:p>
           <a:p>
-            <a:pPr lvl="0" rtl="0">
+            <a:pPr marL="342900" lvl="0" indent="-342900" rtl="0">
               <a:lnSpc>
-                <a:spcPct val="138000"/>
+                <a:spcPct val="100000"/>
               </a:lnSpc>
               <a:spcBef>
                 <a:spcPts val="1400"/>
@@ -5729,21 +6090,22 @@
               <a:spcAft>
                 <a:spcPts val="400"/>
               </a:spcAft>
-              <a:buNone/>
+              <a:buFont typeface="Arial"/>
+              <a:buChar char="•"/>
             </a:pPr>
             <a:r>
-              <a:rPr lang="en" sz="2400">
-                <a:solidFill>
-                  <a:srgbClr val="D9D9D9"/>
+              <a:rPr lang="en" sz="2300" dirty="0">
+                <a:solidFill>
+                  <a:srgbClr val="FFFFFF"/>
                 </a:solidFill>
               </a:rPr>
               <a:t>Free and paid versions</a:t>
             </a:r>
           </a:p>
           <a:p>
-            <a:pPr indent="-381000" lvl="0" marL="457200" rtl="0">
+            <a:pPr marL="457200" lvl="0" indent="-381000" rtl="0">
               <a:lnSpc>
-                <a:spcPct val="138000"/>
+                <a:spcPct val="100000"/>
               </a:lnSpc>
               <a:spcBef>
                 <a:spcPts val="1400"/>
@@ -5755,28 +6117,30 @@
                 <a:srgbClr val="D9D9D9"/>
               </a:buClr>
               <a:buSzPct val="100000"/>
+              <a:buFont typeface="Arial"/>
+              <a:buChar char="•"/>
             </a:pPr>
             <a:r>
-              <a:rPr b="1" lang="en" sz="2400">
-                <a:solidFill>
-                  <a:srgbClr val="D9D9D9"/>
+              <a:rPr lang="en" sz="2300" b="1" dirty="0">
+                <a:solidFill>
+                  <a:srgbClr val="FFFFFF"/>
                 </a:solidFill>
               </a:rPr>
               <a:t>Tableau Public</a:t>
             </a:r>
             <a:r>
-              <a:rPr lang="en" sz="2400">
-                <a:solidFill>
-                  <a:srgbClr val="D9D9D9"/>
+              <a:rPr lang="en" sz="2300" dirty="0">
+                <a:solidFill>
+                  <a:srgbClr val="FFFFFF"/>
                 </a:solidFill>
               </a:rPr>
               <a:t> is free for everyone </a:t>
             </a:r>
           </a:p>
           <a:p>
-            <a:pPr indent="-381000" lvl="0" marL="457200" rtl="0">
+            <a:pPr marL="457200" lvl="0" indent="-381000" rtl="0">
               <a:lnSpc>
-                <a:spcPct val="138000"/>
+                <a:spcPct val="100000"/>
               </a:lnSpc>
               <a:spcBef>
                 <a:spcPts val="1400"/>
@@ -5788,43 +6152,129 @@
                 <a:srgbClr val="D9D9D9"/>
               </a:buClr>
               <a:buSzPct val="100000"/>
+              <a:buFont typeface="Arial"/>
+              <a:buChar char="•"/>
             </a:pPr>
             <a:r>
-              <a:rPr b="1" lang="en" sz="2400">
-                <a:solidFill>
-                  <a:srgbClr val="D9D9D9"/>
+              <a:rPr lang="en" sz="2300" b="1" dirty="0">
+                <a:solidFill>
+                  <a:srgbClr val="FFFFFF"/>
                 </a:solidFill>
               </a:rPr>
               <a:t>Tableau Desktop</a:t>
             </a:r>
             <a:r>
-              <a:rPr lang="en" sz="2400">
-                <a:solidFill>
-                  <a:srgbClr val="D9D9D9"/>
+              <a:rPr lang="en" sz="2300" dirty="0">
+                <a:solidFill>
+                  <a:srgbClr val="FFFFFF"/>
                 </a:solidFill>
               </a:rPr>
-              <a:t> is free for students (</a:t>
+              <a:t> is free for students </a:t>
+            </a:r>
+            <a:endParaRPr lang="en-US" sz="2300" dirty="0" smtClean="0">
+              <a:solidFill>
+                <a:srgbClr val="FFFFFF"/>
+              </a:solidFill>
+            </a:endParaRPr>
+          </a:p>
+          <a:p>
+            <a:pPr marL="457200" lvl="0" indent="-381000" rtl="0">
+              <a:lnSpc>
+                <a:spcPct val="100000"/>
+              </a:lnSpc>
+              <a:spcBef>
+                <a:spcPts val="1400"/>
+              </a:spcBef>
+              <a:spcAft>
+                <a:spcPts val="400"/>
+              </a:spcAft>
+              <a:buClr>
+                <a:srgbClr val="D9D9D9"/>
+              </a:buClr>
+              <a:buSzPct val="100000"/>
+            </a:pPr>
+            <a:r>
+              <a:rPr lang="en-US" sz="2300" dirty="0" smtClean="0">
+                <a:solidFill>
+                  <a:srgbClr val="FFFFFF"/>
+                </a:solidFill>
+              </a:rPr>
+              <a:t>	</a:t>
             </a:r>
             <a:r>
-              <a:rPr lang="en" sz="2400" u="sng">
-                <a:solidFill>
-                  <a:schemeClr val="accent5"/>
+              <a:rPr lang="en" sz="2300" dirty="0" smtClean="0">
+                <a:solidFill>
+                  <a:srgbClr val="FFFFFF"/>
+                </a:solidFill>
+              </a:rPr>
+              <a:t>(</a:t>
+            </a:r>
+            <a:r>
+              <a:rPr lang="en" sz="2300" u="sng" dirty="0">
+                <a:solidFill>
+                  <a:srgbClr val="FFFFFF"/>
                 </a:solidFill>
                 <a:hlinkClick r:id="rId3"/>
               </a:rPr>
               <a:t>http://www.tableau.com/academic/students</a:t>
             </a:r>
             <a:r>
-              <a:rPr lang="en" sz="2400">
-                <a:solidFill>
-                  <a:srgbClr val="D9D9D9"/>
+              <a:rPr lang="en" sz="2300" dirty="0">
+                <a:solidFill>
+                  <a:srgbClr val="FFFFFF"/>
                 </a:solidFill>
               </a:rPr>
               <a:t>)</a:t>
             </a:r>
           </a:p>
           <a:p>
-            <a:pPr lvl="0" rtl="0">
+            <a:pPr marL="342900" lvl="0" indent="-342900" rtl="0">
+              <a:lnSpc>
+                <a:spcPct val="100000"/>
+              </a:lnSpc>
+              <a:spcBef>
+                <a:spcPts val="1400"/>
+              </a:spcBef>
+              <a:spcAft>
+                <a:spcPts val="400"/>
+              </a:spcAft>
+              <a:buFont typeface="Arial"/>
+              <a:buChar char="•"/>
+            </a:pPr>
+            <a:r>
+              <a:rPr lang="en" sz="2300" dirty="0">
+                <a:solidFill>
+                  <a:srgbClr val="FFFFFF"/>
+                </a:solidFill>
+              </a:rPr>
+              <a:t>You can create and share graphs, maps, live dashboards </a:t>
+            </a:r>
+          </a:p>
+          <a:p>
+            <a:pPr marL="342900" lvl="0" indent="-342900" rtl="0">
+              <a:lnSpc>
+                <a:spcPct val="100000"/>
+              </a:lnSpc>
+              <a:spcBef>
+                <a:spcPts val="1400"/>
+              </a:spcBef>
+              <a:spcAft>
+                <a:spcPts val="400"/>
+              </a:spcAft>
+              <a:buFont typeface="Arial"/>
+              <a:buChar char="•"/>
+            </a:pPr>
+            <a:r>
+              <a:rPr lang="en" sz="2300" dirty="0">
+                <a:solidFill>
+                  <a:srgbClr val="FFFFFF"/>
+                </a:solidFill>
+              </a:rPr>
+              <a:t>You can publish anywhere on the web using Tableau Public </a:t>
+            </a:r>
+          </a:p>
+          <a:p>
+            <a:pPr marL="342900" lvl="0" indent="-342900">
               <a:lnSpc>
                 <a:spcPct val="138000"/>
               </a:lnSpc>
@@ -5834,56 +6284,10 @@
               <a:spcAft>
                 <a:spcPts val="400"/>
               </a:spcAft>
-              <a:buNone/>
+              <a:buFont typeface="Arial"/>
+              <a:buChar char="•"/>
             </a:pPr>
-            <a:r>
-              <a:rPr lang="en" sz="2400">
-                <a:solidFill>
-                  <a:srgbClr val="D9D9D9"/>
-                </a:solidFill>
-              </a:rPr>
-              <a:t>You can create and share graphs, maps, live dashboards </a:t>
-            </a:r>
-          </a:p>
-          <a:p>
-            <a:pPr lvl="0" rtl="0">
-              <a:lnSpc>
-                <a:spcPct val="138000"/>
-              </a:lnSpc>
-              <a:spcBef>
-                <a:spcPts val="1400"/>
-              </a:spcBef>
-              <a:spcAft>
-                <a:spcPts val="400"/>
-              </a:spcAft>
-              <a:buNone/>
-            </a:pPr>
-            <a:r>
-              <a:rPr lang="en" sz="2400">
-                <a:solidFill>
-                  <a:srgbClr val="D9D9D9"/>
-                </a:solidFill>
-              </a:rPr>
-              <a:t>You can publish anywhere on the web using Tableau Public </a:t>
-            </a:r>
-          </a:p>
-          <a:p>
-            <a:pPr lvl="0">
-              <a:lnSpc>
-                <a:spcPct val="138000"/>
-              </a:lnSpc>
-              <a:spcBef>
-                <a:spcPts val="1400"/>
-              </a:spcBef>
-              <a:spcAft>
-                <a:spcPts val="400"/>
-              </a:spcAft>
-              <a:buNone/>
-            </a:pPr>
-            <a:r>
-              <a:t/>
-            </a:r>
-            <a:endParaRPr sz="2400">
+            <a:endParaRPr sz="2400" dirty="0">
               <a:solidFill>
                 <a:srgbClr val="D9D9D9"/>
               </a:solidFill>
@@ -5900,11 +6304,11 @@
 </file>
 
 <file path=ppt/slides/slide5.xml><?xml version="1.0" encoding="utf-8"?>
-<p:sld xmlns:a="http://schemas.openxmlformats.org/drawingml/2006/main" xmlns:r="http://schemas.openxmlformats.org/officeDocument/2006/relationships" xmlns:mc="http://schemas.openxmlformats.org/markup-compatibility/2006" xmlns:mv="urn:schemas-microsoft-com:mac:vml" xmlns:p="http://schemas.openxmlformats.org/presentationml/2006/main" xmlns:c="http://schemas.openxmlformats.org/drawingml/2006/chart" xmlns:dgm="http://schemas.openxmlformats.org/drawingml/2006/diagram" xmlns:o="urn:schemas-microsoft-com:office:office" xmlns:v="urn:schemas-microsoft-com:vml" xmlns:pvml="urn:schemas-microsoft-com:office:powerpoint" xmlns:com="http://schemas.openxmlformats.org/drawingml/2006/compatibility" xmlns:p14="http://schemas.microsoft.com/office/powerpoint/2010/main">
+<p:sld xmlns:a="http://schemas.openxmlformats.org/drawingml/2006/main" xmlns:r="http://schemas.openxmlformats.org/officeDocument/2006/relationships" xmlns:p="http://schemas.openxmlformats.org/presentationml/2006/main">
   <p:cSld>
     <p:spTree>
       <p:nvGrpSpPr>
-        <p:cNvPr id="83" name="Shape 83"/>
+        <p:cNvPr id="1" name="Shape 83"/>
         <p:cNvGrpSpPr/>
         <p:nvPr/>
       </p:nvGrpSpPr>
@@ -5919,7 +6323,9 @@
       <p:sp>
         <p:nvSpPr>
           <p:cNvPr id="84" name="Shape 84"/>
-          <p:cNvSpPr txBox="1"/>
+          <p:cNvSpPr txBox="1">
+            <a:spLocks noGrp="1"/>
+          </p:cNvSpPr>
           <p:nvPr>
             <p:ph type="title"/>
           </p:nvPr>
@@ -5934,7 +6340,7 @@
           </a:prstGeom>
         </p:spPr>
         <p:txBody>
-          <a:bodyPr anchorCtr="0" anchor="t" bIns="91425" lIns="91425" rIns="91425" tIns="91425">
+          <a:bodyPr lIns="91425" tIns="91425" rIns="91425" bIns="91425" anchor="t" anchorCtr="0">
             <a:noAutofit/>
           </a:bodyPr>
           <a:lstStyle/>
@@ -5946,18 +6352,25 @@
               <a:buNone/>
             </a:pPr>
             <a:r>
-              <a:rPr lang="en" sz="3600"/>
-              <a:t>How to Use Tableau Public on Your Computer</a:t>
+              <a:rPr lang="en" sz="3600" dirty="0"/>
+              <a:t>How to Use Tableau </a:t>
             </a:r>
+            <a:r>
+              <a:rPr lang="en" sz="3600" dirty="0" smtClean="0"/>
+              <a:t>Public</a:t>
+            </a:r>
+            <a:endParaRPr lang="en" sz="3600" dirty="0"/>
           </a:p>
         </p:txBody>
       </p:sp>
       <p:sp>
         <p:nvSpPr>
           <p:cNvPr id="85" name="Shape 85"/>
-          <p:cNvSpPr txBox="1"/>
+          <p:cNvSpPr txBox="1">
+            <a:spLocks noGrp="1"/>
+          </p:cNvSpPr>
           <p:nvPr>
-            <p:ph idx="1" type="body"/>
+            <p:ph type="body" idx="1"/>
           </p:nvPr>
         </p:nvSpPr>
         <p:spPr>
@@ -5970,12 +6383,12 @@
           </a:prstGeom>
         </p:spPr>
         <p:txBody>
-          <a:bodyPr anchorCtr="0" anchor="t" bIns="91425" lIns="91425" rIns="91425" tIns="91425">
+          <a:bodyPr lIns="91425" tIns="91425" rIns="91425" bIns="91425" anchor="t" anchorCtr="0">
             <a:noAutofit/>
           </a:bodyPr>
           <a:lstStyle/>
           <a:p>
-            <a:pPr indent="-387350" lvl="0" marL="457200" rtl="0">
+            <a:pPr marL="457200" lvl="0" indent="-387350" rtl="0">
               <a:spcBef>
                 <a:spcPts val="0"/>
               </a:spcBef>
@@ -5983,9 +6396,11 @@
                 <a:srgbClr val="FFFFFF"/>
               </a:buClr>
               <a:buSzPct val="100000"/>
+              <a:buFont typeface="Arial"/>
+              <a:buChar char="•"/>
             </a:pPr>
             <a:r>
-              <a:rPr lang="en" sz="2500">
+              <a:rPr lang="en" sz="2500" dirty="0">
                 <a:solidFill>
                   <a:srgbClr val="FFFFFF"/>
                 </a:solidFill>
@@ -5993,7 +6408,7 @@
               <a:t>Go to this website and create your own account: </a:t>
             </a:r>
             <a:r>
-              <a:rPr lang="en" sz="2500" u="sng">
+              <a:rPr lang="en" sz="2500" u="sng" dirty="0">
                 <a:solidFill>
                   <a:schemeClr val="accent5"/>
                 </a:solidFill>
@@ -6003,7 +6418,7 @@
             </a:r>
           </a:p>
           <a:p>
-            <a:pPr indent="-387350" lvl="0" marL="457200" rtl="0">
+            <a:pPr marL="457200" lvl="0" indent="-387350" rtl="0">
               <a:spcBef>
                 <a:spcPts val="0"/>
               </a:spcBef>
@@ -6011,9 +6426,11 @@
                 <a:srgbClr val="FFFFFF"/>
               </a:buClr>
               <a:buSzPct val="100000"/>
+              <a:buFont typeface="Arial"/>
+              <a:buChar char="•"/>
             </a:pPr>
             <a:r>
-              <a:rPr lang="en" sz="2500">
+              <a:rPr lang="en" sz="2500" dirty="0">
                 <a:solidFill>
                   <a:srgbClr val="FFFFFF"/>
                 </a:solidFill>
@@ -6022,7 +6439,7 @@
             </a:r>
           </a:p>
           <a:p>
-            <a:pPr indent="-387350" lvl="0" marL="457200" rtl="0">
+            <a:pPr marL="457200" lvl="0" indent="-387350" rtl="0">
               <a:spcBef>
                 <a:spcPts val="0"/>
               </a:spcBef>
@@ -6030,9 +6447,11 @@
                 <a:srgbClr val="FFFFFF"/>
               </a:buClr>
               <a:buSzPct val="100000"/>
+              <a:buFont typeface="Arial"/>
+              <a:buChar char="•"/>
             </a:pPr>
             <a:r>
-              <a:rPr lang="en" sz="2500">
+              <a:rPr lang="en" sz="2500" dirty="0">
                 <a:solidFill>
                   <a:srgbClr val="FFFFFF"/>
                 </a:solidFill>
@@ -6047,10 +6466,7 @@
               </a:spcBef>
               <a:buNone/>
             </a:pPr>
-            <a:r>
-              <a:t/>
-            </a:r>
-            <a:endParaRPr/>
+            <a:endParaRPr dirty="0"/>
           </a:p>
           <a:p>
             <a:pPr lvl="0">
@@ -6059,10 +6475,7 @@
               </a:spcBef>
               <a:buNone/>
             </a:pPr>
-            <a:r>
-              <a:t/>
-            </a:r>
-            <a:endParaRPr/>
+            <a:endParaRPr dirty="0"/>
           </a:p>
         </p:txBody>
       </p:sp>
@@ -6075,11 +6488,11 @@
 </file>
 
 <file path=ppt/slides/slide6.xml><?xml version="1.0" encoding="utf-8"?>
-<p:sld xmlns:a="http://schemas.openxmlformats.org/drawingml/2006/main" xmlns:r="http://schemas.openxmlformats.org/officeDocument/2006/relationships" xmlns:mc="http://schemas.openxmlformats.org/markup-compatibility/2006" xmlns:mv="urn:schemas-microsoft-com:mac:vml" xmlns:p="http://schemas.openxmlformats.org/presentationml/2006/main" xmlns:c="http://schemas.openxmlformats.org/drawingml/2006/chart" xmlns:dgm="http://schemas.openxmlformats.org/drawingml/2006/diagram" xmlns:o="urn:schemas-microsoft-com:office:office" xmlns:v="urn:schemas-microsoft-com:vml" xmlns:pvml="urn:schemas-microsoft-com:office:powerpoint" xmlns:com="http://schemas.openxmlformats.org/drawingml/2006/compatibility" xmlns:p14="http://schemas.microsoft.com/office/powerpoint/2010/main">
+<p:sld xmlns:a="http://schemas.openxmlformats.org/drawingml/2006/main" xmlns:r="http://schemas.openxmlformats.org/officeDocument/2006/relationships" xmlns:p="http://schemas.openxmlformats.org/presentationml/2006/main">
   <p:cSld>
     <p:spTree>
       <p:nvGrpSpPr>
-        <p:cNvPr id="89" name="Shape 89"/>
+        <p:cNvPr id="1" name="Shape 89"/>
         <p:cNvGrpSpPr/>
         <p:nvPr/>
       </p:nvGrpSpPr>
@@ -6094,7 +6507,9 @@
       <p:sp>
         <p:nvSpPr>
           <p:cNvPr id="90" name="Shape 90"/>
-          <p:cNvSpPr txBox="1"/>
+          <p:cNvSpPr txBox="1">
+            <a:spLocks noGrp="1"/>
+          </p:cNvSpPr>
           <p:nvPr>
             <p:ph type="title"/>
           </p:nvPr>
@@ -6109,7 +6524,7 @@
           </a:prstGeom>
         </p:spPr>
         <p:txBody>
-          <a:bodyPr anchorCtr="0" anchor="t" bIns="91425" lIns="91425" rIns="91425" tIns="91425">
+          <a:bodyPr lIns="91425" tIns="91425" rIns="91425" bIns="91425" anchor="t" anchorCtr="0">
             <a:noAutofit/>
           </a:bodyPr>
           <a:lstStyle/>
@@ -6130,9 +6545,11 @@
       <p:sp>
         <p:nvSpPr>
           <p:cNvPr id="91" name="Shape 91"/>
-          <p:cNvSpPr txBox="1"/>
+          <p:cNvSpPr txBox="1">
+            <a:spLocks noGrp="1"/>
+          </p:cNvSpPr>
           <p:nvPr>
-            <p:ph idx="1" type="body"/>
+            <p:ph type="body" idx="1"/>
           </p:nvPr>
         </p:nvSpPr>
         <p:spPr>
@@ -6145,7 +6562,7 @@
           </a:prstGeom>
         </p:spPr>
         <p:txBody>
-          <a:bodyPr anchorCtr="0" anchor="t" bIns="91425" lIns="91425" rIns="91425" tIns="91425">
+          <a:bodyPr lIns="91425" tIns="91425" rIns="91425" bIns="91425" anchor="t" anchorCtr="0">
             <a:noAutofit/>
           </a:bodyPr>
           <a:lstStyle/>
@@ -6157,7 +6574,7 @@
               <a:buNone/>
             </a:pPr>
             <a:r>
-              <a:rPr lang="en" sz="3600"/>
+              <a:rPr lang="en" sz="3600" dirty="0"/>
               <a:t>Let’s see some examples!</a:t>
             </a:r>
           </a:p>
@@ -6169,7 +6586,7 @@
               <a:buNone/>
             </a:pPr>
             <a:r>
-              <a:rPr lang="en" sz="3600" u="sng">
+              <a:rPr lang="en" sz="3600" u="sng" dirty="0">
                 <a:solidFill>
                   <a:schemeClr val="hlink"/>
                 </a:solidFill>
@@ -6185,10 +6602,7 @@
               </a:spcBef>
               <a:buNone/>
             </a:pPr>
-            <a:r>
-              <a:t/>
-            </a:r>
-            <a:endParaRPr sz="3600"/>
+            <a:endParaRPr sz="3600" dirty="0"/>
           </a:p>
         </p:txBody>
       </p:sp>
@@ -6201,11 +6615,11 @@
 </file>
 
 <file path=ppt/slides/slide7.xml><?xml version="1.0" encoding="utf-8"?>
-<p:sld xmlns:a="http://schemas.openxmlformats.org/drawingml/2006/main" xmlns:r="http://schemas.openxmlformats.org/officeDocument/2006/relationships" xmlns:mc="http://schemas.openxmlformats.org/markup-compatibility/2006" xmlns:mv="urn:schemas-microsoft-com:mac:vml" xmlns:p="http://schemas.openxmlformats.org/presentationml/2006/main" xmlns:c="http://schemas.openxmlformats.org/drawingml/2006/chart" xmlns:dgm="http://schemas.openxmlformats.org/drawingml/2006/diagram" xmlns:o="urn:schemas-microsoft-com:office:office" xmlns:v="urn:schemas-microsoft-com:vml" xmlns:pvml="urn:schemas-microsoft-com:office:powerpoint" xmlns:com="http://schemas.openxmlformats.org/drawingml/2006/compatibility" xmlns:p14="http://schemas.microsoft.com/office/powerpoint/2010/main">
+<p:sld xmlns:a="http://schemas.openxmlformats.org/drawingml/2006/main" xmlns:r="http://schemas.openxmlformats.org/officeDocument/2006/relationships" xmlns:p="http://schemas.openxmlformats.org/presentationml/2006/main">
   <p:cSld>
     <p:spTree>
       <p:nvGrpSpPr>
-        <p:cNvPr id="95" name="Shape 95"/>
+        <p:cNvPr id="1" name="Shape 95"/>
         <p:cNvGrpSpPr/>
         <p:nvPr/>
       </p:nvGrpSpPr>
@@ -6220,7 +6634,9 @@
       <p:sp>
         <p:nvSpPr>
           <p:cNvPr id="96" name="Shape 96"/>
-          <p:cNvSpPr txBox="1"/>
+          <p:cNvSpPr txBox="1">
+            <a:spLocks noGrp="1"/>
+          </p:cNvSpPr>
           <p:nvPr>
             <p:ph type="title"/>
           </p:nvPr>
@@ -6235,7 +6651,7 @@
           </a:prstGeom>
         </p:spPr>
         <p:txBody>
-          <a:bodyPr anchorCtr="0" anchor="t" bIns="91425" lIns="91425" rIns="91425" tIns="91425">
+          <a:bodyPr lIns="91425" tIns="91425" rIns="91425" bIns="91425" anchor="t" anchorCtr="0">
             <a:noAutofit/>
           </a:bodyPr>
           <a:lstStyle/>
@@ -6256,9 +6672,11 @@
       <p:sp>
         <p:nvSpPr>
           <p:cNvPr id="97" name="Shape 97"/>
-          <p:cNvSpPr txBox="1"/>
+          <p:cNvSpPr txBox="1">
+            <a:spLocks noGrp="1"/>
+          </p:cNvSpPr>
           <p:nvPr>
-            <p:ph idx="1" type="body"/>
+            <p:ph type="body" idx="1"/>
           </p:nvPr>
         </p:nvSpPr>
         <p:spPr>
@@ -6271,12 +6689,12 @@
           </a:prstGeom>
         </p:spPr>
         <p:txBody>
-          <a:bodyPr anchorCtr="0" anchor="t" bIns="91425" lIns="91425" rIns="91425" tIns="91425">
+          <a:bodyPr lIns="91425" tIns="91425" rIns="91425" bIns="91425" anchor="t" anchorCtr="0">
             <a:noAutofit/>
           </a:bodyPr>
           <a:lstStyle/>
           <a:p>
-            <a:pPr lvl="0" rtl="0" algn="ctr">
+            <a:pPr lvl="0" algn="ctr" rtl="0">
               <a:lnSpc>
                 <a:spcPct val="100000"/>
               </a:lnSpc>
@@ -6288,13 +6706,10 @@
               </a:spcAft>
               <a:buNone/>
             </a:pPr>
-            <a:r>
-              <a:t/>
-            </a:r>
             <a:endParaRPr/>
           </a:p>
           <a:p>
-            <a:pPr lvl="0" rtl="0" algn="ctr">
+            <a:pPr lvl="0" algn="ctr" rtl="0">
               <a:lnSpc>
                 <a:spcPct val="100000"/>
               </a:lnSpc>
@@ -6306,13 +6721,10 @@
               </a:spcAft>
               <a:buNone/>
             </a:pPr>
-            <a:r>
-              <a:t/>
-            </a:r>
             <a:endParaRPr/>
           </a:p>
           <a:p>
-            <a:pPr lvl="0" rtl="0" algn="ctr">
+            <a:pPr lvl="0" algn="ctr" rtl="0">
               <a:lnSpc>
                 <a:spcPct val="100000"/>
               </a:lnSpc>
@@ -6324,13 +6736,10 @@
               </a:spcAft>
               <a:buNone/>
             </a:pPr>
-            <a:r>
-              <a:t/>
-            </a:r>
             <a:endParaRPr/>
           </a:p>
           <a:p>
-            <a:pPr lvl="0" rtl="0" algn="ctr">
+            <a:pPr lvl="0" algn="ctr" rtl="0">
               <a:lnSpc>
                 <a:spcPct val="100000"/>
               </a:lnSpc>
@@ -6342,13 +6751,10 @@
               </a:spcAft>
               <a:buNone/>
             </a:pPr>
-            <a:r>
-              <a:t/>
-            </a:r>
             <a:endParaRPr/>
           </a:p>
           <a:p>
-            <a:pPr lvl="0" rtl="0" algn="ctr">
+            <a:pPr lvl="0" algn="ctr" rtl="0">
               <a:lnSpc>
                 <a:spcPct val="100000"/>
               </a:lnSpc>
@@ -6360,13 +6766,10 @@
               </a:spcAft>
               <a:buNone/>
             </a:pPr>
-            <a:r>
-              <a:t/>
-            </a:r>
             <a:endParaRPr/>
           </a:p>
           <a:p>
-            <a:pPr lvl="0" rtl="0" algn="ctr">
+            <a:pPr lvl="0" algn="ctr" rtl="0">
               <a:lnSpc>
                 <a:spcPct val="100000"/>
               </a:lnSpc>
@@ -6387,7 +6790,7 @@
                 <a:ea typeface="Cambria"/>
                 <a:cs typeface="Cambria"/>
                 <a:sym typeface="Cambria"/>
-                <a:hlinkClick r:id="rId4"/>
+                <a:hlinkClick r:id="rId3"/>
               </a:rPr>
               <a:t>go.ncsu.edu/tableauworkshop</a:t>
             </a:r>
@@ -6415,11 +6818,11 @@
 </file>
 
 <file path=ppt/slides/slide8.xml><?xml version="1.0" encoding="utf-8"?>
-<p:sld xmlns:a="http://schemas.openxmlformats.org/drawingml/2006/main" xmlns:r="http://schemas.openxmlformats.org/officeDocument/2006/relationships" xmlns:mc="http://schemas.openxmlformats.org/markup-compatibility/2006" xmlns:mv="urn:schemas-microsoft-com:mac:vml" xmlns:p="http://schemas.openxmlformats.org/presentationml/2006/main" xmlns:c="http://schemas.openxmlformats.org/drawingml/2006/chart" xmlns:dgm="http://schemas.openxmlformats.org/drawingml/2006/diagram" xmlns:o="urn:schemas-microsoft-com:office:office" xmlns:v="urn:schemas-microsoft-com:vml" xmlns:pvml="urn:schemas-microsoft-com:office:powerpoint" xmlns:com="http://schemas.openxmlformats.org/drawingml/2006/compatibility" xmlns:p14="http://schemas.microsoft.com/office/powerpoint/2010/main">
+<p:sld xmlns:a="http://schemas.openxmlformats.org/drawingml/2006/main" xmlns:r="http://schemas.openxmlformats.org/officeDocument/2006/relationships" xmlns:p="http://schemas.openxmlformats.org/presentationml/2006/main">
   <p:cSld>
     <p:spTree>
       <p:nvGrpSpPr>
-        <p:cNvPr id="101" name="Shape 101"/>
+        <p:cNvPr id="1" name="Shape 101"/>
         <p:cNvGrpSpPr/>
         <p:nvPr/>
       </p:nvGrpSpPr>
@@ -6434,7 +6837,9 @@
       <p:sp>
         <p:nvSpPr>
           <p:cNvPr id="102" name="Shape 102"/>
-          <p:cNvSpPr txBox="1"/>
+          <p:cNvSpPr txBox="1">
+            <a:spLocks noGrp="1"/>
+          </p:cNvSpPr>
           <p:nvPr>
             <p:ph type="title"/>
           </p:nvPr>
@@ -6449,7 +6854,7 @@
           </a:prstGeom>
         </p:spPr>
         <p:txBody>
-          <a:bodyPr anchorCtr="0" anchor="t" bIns="91425" lIns="91425" rIns="91425" tIns="91425">
+          <a:bodyPr lIns="91425" tIns="91425" rIns="91425" bIns="91425" anchor="t" anchorCtr="0">
             <a:noAutofit/>
           </a:bodyPr>
           <a:lstStyle/>
@@ -6479,9 +6884,11 @@
       <p:sp>
         <p:nvSpPr>
           <p:cNvPr id="103" name="Shape 103"/>
-          <p:cNvSpPr txBox="1"/>
+          <p:cNvSpPr txBox="1">
+            <a:spLocks noGrp="1"/>
+          </p:cNvSpPr>
           <p:nvPr>
-            <p:ph idx="1" type="body"/>
+            <p:ph type="body" idx="1"/>
           </p:nvPr>
         </p:nvSpPr>
         <p:spPr>
@@ -6494,7 +6901,7 @@
           </a:prstGeom>
         </p:spPr>
         <p:txBody>
-          <a:bodyPr anchorCtr="0" anchor="t" bIns="91425" lIns="91425" rIns="91425" tIns="91425">
+          <a:bodyPr lIns="91425" tIns="91425" rIns="91425" bIns="91425" anchor="t" anchorCtr="0">
             <a:noAutofit/>
           </a:bodyPr>
           <a:lstStyle/>
@@ -6511,9 +6918,6 @@
               </a:spcAft>
               <a:buNone/>
             </a:pPr>
-            <a:r>
-              <a:t/>
-            </a:r>
             <a:endParaRPr sz="3600">
               <a:latin typeface="Arial"/>
               <a:ea typeface="Arial"/>
@@ -6534,9 +6938,6 @@
               </a:spcAft>
               <a:buNone/>
             </a:pPr>
-            <a:r>
-              <a:t/>
-            </a:r>
             <a:endParaRPr sz="3600">
               <a:latin typeface="Arial"/>
               <a:ea typeface="Arial"/>
@@ -6548,7 +6949,7 @@
       </p:sp>
       <p:pic>
         <p:nvPicPr>
-          <p:cNvPr descr="Screen Shot 2016-06-07 at 2.25.26 PM.png" id="104" name="Shape 104"/>
+          <p:cNvPr id="104" name="Shape 104" descr="Screen Shot 2016-06-07 at 2.25.26 PM.png"/>
           <p:cNvPicPr preferRelativeResize="0"/>
           <p:nvPr/>
         </p:nvPicPr>
@@ -6583,11 +6984,11 @@
 </file>
 
 <file path=ppt/slides/slide9.xml><?xml version="1.0" encoding="utf-8"?>
-<p:sld xmlns:a="http://schemas.openxmlformats.org/drawingml/2006/main" xmlns:r="http://schemas.openxmlformats.org/officeDocument/2006/relationships" xmlns:mc="http://schemas.openxmlformats.org/markup-compatibility/2006" xmlns:mv="urn:schemas-microsoft-com:mac:vml" xmlns:p="http://schemas.openxmlformats.org/presentationml/2006/main" xmlns:c="http://schemas.openxmlformats.org/drawingml/2006/chart" xmlns:dgm="http://schemas.openxmlformats.org/drawingml/2006/diagram" xmlns:o="urn:schemas-microsoft-com:office:office" xmlns:v="urn:schemas-microsoft-com:vml" xmlns:pvml="urn:schemas-microsoft-com:office:powerpoint" xmlns:com="http://schemas.openxmlformats.org/drawingml/2006/compatibility" xmlns:p14="http://schemas.microsoft.com/office/powerpoint/2010/main">
+<p:sld xmlns:a="http://schemas.openxmlformats.org/drawingml/2006/main" xmlns:r="http://schemas.openxmlformats.org/officeDocument/2006/relationships" xmlns:p="http://schemas.openxmlformats.org/presentationml/2006/main">
   <p:cSld>
     <p:spTree>
       <p:nvGrpSpPr>
-        <p:cNvPr id="108" name="Shape 108"/>
+        <p:cNvPr id="1" name="Shape 108"/>
         <p:cNvGrpSpPr/>
         <p:nvPr/>
       </p:nvGrpSpPr>
@@ -6602,7 +7003,9 @@
       <p:sp>
         <p:nvSpPr>
           <p:cNvPr id="109" name="Shape 109"/>
-          <p:cNvSpPr txBox="1"/>
+          <p:cNvSpPr txBox="1">
+            <a:spLocks noGrp="1"/>
+          </p:cNvSpPr>
           <p:nvPr>
             <p:ph type="title"/>
           </p:nvPr>
@@ -6617,7 +7020,7 @@
           </a:prstGeom>
         </p:spPr>
         <p:txBody>
-          <a:bodyPr anchorCtr="0" anchor="t" bIns="91425" lIns="91425" rIns="91425" tIns="91425">
+          <a:bodyPr lIns="91425" tIns="91425" rIns="91425" bIns="91425" anchor="t" anchorCtr="0">
             <a:noAutofit/>
           </a:bodyPr>
           <a:lstStyle/>
@@ -6638,9 +7041,11 @@
       <p:sp>
         <p:nvSpPr>
           <p:cNvPr id="110" name="Shape 110"/>
-          <p:cNvSpPr txBox="1"/>
+          <p:cNvSpPr txBox="1">
+            <a:spLocks noGrp="1"/>
+          </p:cNvSpPr>
           <p:nvPr>
-            <p:ph idx="1" type="body"/>
+            <p:ph type="body" idx="1"/>
           </p:nvPr>
         </p:nvSpPr>
         <p:spPr>
@@ -6653,12 +7058,12 @@
           </a:prstGeom>
         </p:spPr>
         <p:txBody>
-          <a:bodyPr anchorCtr="0" anchor="t" bIns="91425" lIns="91425" rIns="91425" tIns="91425">
+          <a:bodyPr lIns="91425" tIns="91425" rIns="91425" bIns="91425" anchor="t" anchorCtr="0">
             <a:noAutofit/>
           </a:bodyPr>
           <a:lstStyle/>
           <a:p>
-            <a:pPr indent="-381000" lvl="0" marL="457200" rtl="0">
+            <a:pPr marL="457200" lvl="0" indent="-381000" rtl="0">
               <a:lnSpc>
                 <a:spcPct val="138000"/>
               </a:lnSpc>
@@ -6672,9 +7077,11 @@
                 <a:schemeClr val="accent6"/>
               </a:buClr>
               <a:buSzPct val="100000"/>
+              <a:buFont typeface="Arial"/>
+              <a:buChar char="•"/>
             </a:pPr>
             <a:r>
-              <a:rPr lang="en" sz="2400">
+              <a:rPr lang="en" sz="2400" dirty="0">
                 <a:solidFill>
                   <a:schemeClr val="accent6"/>
                 </a:solidFill>
@@ -6683,7 +7090,7 @@
             </a:r>
           </a:p>
           <a:p>
-            <a:pPr indent="-381000" lvl="0" marL="457200" rtl="0">
+            <a:pPr marL="457200" lvl="0" indent="-381000" rtl="0">
               <a:lnSpc>
                 <a:spcPct val="138000"/>
               </a:lnSpc>
@@ -6697,9 +7104,11 @@
                 <a:schemeClr val="accent6"/>
               </a:buClr>
               <a:buSzPct val="100000"/>
+              <a:buFont typeface="Arial"/>
+              <a:buChar char="•"/>
             </a:pPr>
             <a:r>
-              <a:rPr lang="en" sz="2400">
+              <a:rPr lang="en" sz="2400" dirty="0">
                 <a:solidFill>
                   <a:schemeClr val="accent6"/>
                 </a:solidFill>
@@ -6708,7 +7117,7 @@
             </a:r>
           </a:p>
           <a:p>
-            <a:pPr indent="-381000" lvl="0" marL="457200" rtl="0">
+            <a:pPr marL="457200" lvl="0" indent="-381000" rtl="0">
               <a:lnSpc>
                 <a:spcPct val="138000"/>
               </a:lnSpc>
@@ -6722,9 +7131,11 @@
                 <a:schemeClr val="accent6"/>
               </a:buClr>
               <a:buSzPct val="100000"/>
+              <a:buFont typeface="Arial"/>
+              <a:buChar char="•"/>
             </a:pPr>
             <a:r>
-              <a:rPr lang="en" sz="2400">
+              <a:rPr lang="en" sz="2400" dirty="0">
                 <a:solidFill>
                   <a:schemeClr val="accent6"/>
                 </a:solidFill>
@@ -6739,10 +7150,7 @@
               </a:spcBef>
               <a:buNone/>
             </a:pPr>
-            <a:r>
-              <a:t/>
-            </a:r>
-            <a:endParaRPr/>
+            <a:endParaRPr dirty="0"/>
           </a:p>
         </p:txBody>
       </p:sp>
@@ -6755,7 +7163,7 @@
 </file>
 
 <file path=ppt/theme/theme1.xml><?xml version="1.0" encoding="utf-8"?>
-<a:theme xmlns:a="http://schemas.openxmlformats.org/drawingml/2006/main" xmlns:r="http://schemas.openxmlformats.org/officeDocument/2006/relationships" name="slate">
+<a:theme xmlns:a="http://schemas.openxmlformats.org/drawingml/2006/main" name="slate">
   <a:themeElements>
     <a:clrScheme name="Slate">
       <a:dk1>
@@ -7030,11 +7438,13 @@
       </a:bgFillStyleLst>
     </a:fmtScheme>
   </a:themeElements>
+  <a:objectDefaults/>
+  <a:extraClrSchemeLst/>
 </a:theme>
 </file>
 
 <file path=ppt/theme/theme2.xml><?xml version="1.0" encoding="utf-8"?>
-<a:theme xmlns:a="http://schemas.openxmlformats.org/drawingml/2006/main" xmlns:r="http://schemas.openxmlformats.org/officeDocument/2006/relationships" name="Custom Theme">
+<a:theme xmlns:a="http://schemas.openxmlformats.org/drawingml/2006/main" name="Custom Theme">
   <a:themeElements>
     <a:clrScheme name="Default">
       <a:dk1>
@@ -7309,5 +7719,7 @@
       </a:bgFillStyleLst>
     </a:fmtScheme>
   </a:themeElements>
+  <a:objectDefaults/>
+  <a:extraClrSchemeLst/>
 </a:theme>
 </file>